--- a/presentation/Team_TAM_CaseStudy02.pptx
+++ b/presentation/Team_TAM_CaseStudy02.pptx
@@ -12,8 +12,8 @@
     <p:sldId id="257" r:id="rId3"/>
     <p:sldId id="258" r:id="rId4"/>
     <p:sldId id="307" r:id="rId5"/>
-    <p:sldId id="308" r:id="rId6"/>
-    <p:sldId id="309" r:id="rId7"/>
+    <p:sldId id="309" r:id="rId6"/>
+    <p:sldId id="308" r:id="rId7"/>
     <p:sldId id="267" r:id="rId8"/>
     <p:sldId id="278" r:id="rId9"/>
     <p:sldId id="306" r:id="rId10"/>
@@ -9077,56 +9077,32 @@
       </p:sp>
       <p:pic>
         <p:nvPicPr>
-          <p:cNvPr id="1027" name="Picture 3"/>
+          <p:cNvPr id="4" name="Picture 3">
+            <a:extLst>
+              <a:ext uri="{FF2B5EF4-FFF2-40B4-BE49-F238E27FC236}">
+                <a16:creationId xmlns:a16="http://schemas.microsoft.com/office/drawing/2014/main" id="{8EBB9D79-57ED-46D2-93ED-718D6E59963F}"/>
+              </a:ext>
+            </a:extLst>
+          </p:cNvPr>
           <p:cNvPicPr>
-            <a:picLocks noChangeAspect="1" noChangeArrowheads="1"/>
+            <a:picLocks noChangeAspect="1"/>
           </p:cNvPicPr>
           <p:nvPr/>
         </p:nvPicPr>
         <p:blipFill>
-          <a:blip r:embed="rId3">
-            <a:extLst>
-              <a:ext uri="{28A0092B-C50C-407E-A947-70E740481C1C}">
-                <a14:useLocalDpi xmlns:a14="http://schemas.microsoft.com/office/drawing/2010/main" val="0"/>
-              </a:ext>
-            </a:extLst>
-          </a:blip>
-          <a:srcRect/>
+          <a:blip r:embed="rId3"/>
           <a:stretch>
             <a:fillRect/>
           </a:stretch>
         </p:blipFill>
-        <p:spPr bwMode="auto">
+        <p:spPr>
           <a:xfrm>
-            <a:off x="5410200" y="1629655"/>
-            <a:ext cx="4872037" cy="4367213"/>
+            <a:off x="5257800" y="1424238"/>
+            <a:ext cx="5867400" cy="4070065"/>
           </a:xfrm>
           <a:prstGeom prst="rect">
             <a:avLst/>
           </a:prstGeom>
-          <a:noFill/>
-          <a:ln>
-            <a:noFill/>
-          </a:ln>
-          <a:extLst>
-            <a:ext uri="{909E8E84-426E-40DD-AFC4-6F175D3DCCD1}">
-              <a14:hiddenFill xmlns:a14="http://schemas.microsoft.com/office/drawing/2010/main">
-                <a:solidFill>
-                  <a:schemeClr val="accent1"/>
-                </a:solidFill>
-              </a14:hiddenFill>
-            </a:ext>
-            <a:ext uri="{91240B29-F687-4F45-9708-019B960494DF}">
-              <a14:hiddenLine xmlns:a14="http://schemas.microsoft.com/office/drawing/2010/main" w="9525">
-                <a:solidFill>
-                  <a:schemeClr val="tx1"/>
-                </a:solidFill>
-                <a:miter lim="800000"/>
-                <a:headEnd/>
-                <a:tailEnd/>
-              </a14:hiddenLine>
-            </a:ext>
-          </a:extLst>
         </p:spPr>
       </p:pic>
     </p:spTree>
@@ -9507,123 +9483,6 @@
 </file>
 
 <file path=ppt/slides/slide5.xml><?xml version="1.0" encoding="utf-8"?>
-<p:sld xmlns:a="http://schemas.openxmlformats.org/drawingml/2006/main" xmlns:r="http://schemas.openxmlformats.org/officeDocument/2006/relationships" xmlns:p="http://schemas.openxmlformats.org/presentationml/2006/main">
-  <p:cSld>
-    <p:spTree>
-      <p:nvGrpSpPr>
-        <p:cNvPr id="1" name=""/>
-        <p:cNvGrpSpPr/>
-        <p:nvPr/>
-      </p:nvGrpSpPr>
-      <p:grpSpPr>
-        <a:xfrm>
-          <a:off x="0" y="0"/>
-          <a:ext cx="0" cy="0"/>
-          <a:chOff x="0" y="0"/>
-          <a:chExt cx="0" cy="0"/>
-        </a:xfrm>
-      </p:grpSpPr>
-      <p:pic>
-        <p:nvPicPr>
-          <p:cNvPr id="2050" name="Picture 2"/>
-          <p:cNvPicPr>
-            <a:picLocks noChangeAspect="1" noChangeArrowheads="1"/>
-          </p:cNvPicPr>
-          <p:nvPr/>
-        </p:nvPicPr>
-        <p:blipFill>
-          <a:blip r:embed="rId2">
-            <a:extLst>
-              <a:ext uri="{28A0092B-C50C-407E-A947-70E740481C1C}">
-                <a14:useLocalDpi xmlns:a14="http://schemas.microsoft.com/office/drawing/2010/main" val="0"/>
-              </a:ext>
-            </a:extLst>
-          </a:blip>
-          <a:srcRect/>
-          <a:stretch>
-            <a:fillRect/>
-          </a:stretch>
-        </p:blipFill>
-        <p:spPr bwMode="auto">
-          <a:xfrm>
-            <a:off x="1066800" y="762000"/>
-            <a:ext cx="8695003" cy="5943600"/>
-          </a:xfrm>
-          <a:prstGeom prst="rect">
-            <a:avLst/>
-          </a:prstGeom>
-          <a:noFill/>
-          <a:ln>
-            <a:noFill/>
-          </a:ln>
-          <a:extLst>
-            <a:ext uri="{909E8E84-426E-40DD-AFC4-6F175D3DCCD1}">
-              <a14:hiddenFill xmlns:a14="http://schemas.microsoft.com/office/drawing/2010/main">
-                <a:solidFill>
-                  <a:schemeClr val="accent1"/>
-                </a:solidFill>
-              </a14:hiddenFill>
-            </a:ext>
-            <a:ext uri="{91240B29-F687-4F45-9708-019B960494DF}">
-              <a14:hiddenLine xmlns:a14="http://schemas.microsoft.com/office/drawing/2010/main" w="9525">
-                <a:solidFill>
-                  <a:schemeClr val="tx1"/>
-                </a:solidFill>
-                <a:miter lim="800000"/>
-                <a:headEnd/>
-                <a:tailEnd/>
-              </a14:hiddenLine>
-            </a:ext>
-          </a:extLst>
-        </p:spPr>
-      </p:pic>
-      <p:sp>
-        <p:nvSpPr>
-          <p:cNvPr id="5" name="TextBox 4"/>
-          <p:cNvSpPr txBox="1"/>
-          <p:nvPr/>
-        </p:nvSpPr>
-        <p:spPr>
-          <a:xfrm>
-            <a:off x="4038600" y="221756"/>
-            <a:ext cx="7010400" cy="461665"/>
-          </a:xfrm>
-          <a:prstGeom prst="rect">
-            <a:avLst/>
-          </a:prstGeom>
-          <a:noFill/>
-        </p:spPr>
-        <p:txBody>
-          <a:bodyPr wrap="square" rtlCol="0">
-            <a:spAutoFit/>
-          </a:bodyPr>
-          <a:lstStyle/>
-          <a:p>
-            <a:r>
-              <a:rPr lang="en-US" sz="2400" dirty="0">
-                <a:solidFill>
-                  <a:schemeClr val="bg1"/>
-                </a:solidFill>
-              </a:rPr>
-              <a:t>Breweries per state</a:t>
-            </a:r>
-          </a:p>
-        </p:txBody>
-      </p:sp>
-    </p:spTree>
-    <p:extLst>
-      <p:ext uri="{BB962C8B-B14F-4D97-AF65-F5344CB8AC3E}">
-        <p14:creationId xmlns:p14="http://schemas.microsoft.com/office/powerpoint/2010/main" val="2594062167"/>
-      </p:ext>
-    </p:extLst>
-  </p:cSld>
-  <p:clrMapOvr>
-    <a:masterClrMapping/>
-  </p:clrMapOvr>
-</p:sld>
-</file>
-
-<file path=ppt/slides/slide6.xml><?xml version="1.0" encoding="utf-8"?>
 <p:sld xmlns:a="http://schemas.openxmlformats.org/drawingml/2006/main" xmlns:r="http://schemas.openxmlformats.org/officeDocument/2006/relationships" xmlns:p="http://schemas.openxmlformats.org/presentationml/2006/main">
   <p:cSld>
     <p:spTree>
@@ -9818,6 +9677,123 @@
     <p:extLst>
       <p:ext uri="{BB962C8B-B14F-4D97-AF65-F5344CB8AC3E}">
         <p14:creationId xmlns:p14="http://schemas.microsoft.com/office/powerpoint/2010/main" val="202862069"/>
+      </p:ext>
+    </p:extLst>
+  </p:cSld>
+  <p:clrMapOvr>
+    <a:masterClrMapping/>
+  </p:clrMapOvr>
+</p:sld>
+</file>
+
+<file path=ppt/slides/slide6.xml><?xml version="1.0" encoding="utf-8"?>
+<p:sld xmlns:a="http://schemas.openxmlformats.org/drawingml/2006/main" xmlns:r="http://schemas.openxmlformats.org/officeDocument/2006/relationships" xmlns:p="http://schemas.openxmlformats.org/presentationml/2006/main">
+  <p:cSld>
+    <p:spTree>
+      <p:nvGrpSpPr>
+        <p:cNvPr id="1" name=""/>
+        <p:cNvGrpSpPr/>
+        <p:nvPr/>
+      </p:nvGrpSpPr>
+      <p:grpSpPr>
+        <a:xfrm>
+          <a:off x="0" y="0"/>
+          <a:ext cx="0" cy="0"/>
+          <a:chOff x="0" y="0"/>
+          <a:chExt cx="0" cy="0"/>
+        </a:xfrm>
+      </p:grpSpPr>
+      <p:pic>
+        <p:nvPicPr>
+          <p:cNvPr id="2050" name="Picture 2"/>
+          <p:cNvPicPr>
+            <a:picLocks noChangeAspect="1" noChangeArrowheads="1"/>
+          </p:cNvPicPr>
+          <p:nvPr/>
+        </p:nvPicPr>
+        <p:blipFill>
+          <a:blip r:embed="rId2">
+            <a:extLst>
+              <a:ext uri="{28A0092B-C50C-407E-A947-70E740481C1C}">
+                <a14:useLocalDpi xmlns:a14="http://schemas.microsoft.com/office/drawing/2010/main" val="0"/>
+              </a:ext>
+            </a:extLst>
+          </a:blip>
+          <a:srcRect/>
+          <a:stretch>
+            <a:fillRect/>
+          </a:stretch>
+        </p:blipFill>
+        <p:spPr bwMode="auto">
+          <a:xfrm>
+            <a:off x="1066800" y="762000"/>
+            <a:ext cx="8695003" cy="5943600"/>
+          </a:xfrm>
+          <a:prstGeom prst="rect">
+            <a:avLst/>
+          </a:prstGeom>
+          <a:noFill/>
+          <a:ln>
+            <a:noFill/>
+          </a:ln>
+          <a:extLst>
+            <a:ext uri="{909E8E84-426E-40DD-AFC4-6F175D3DCCD1}">
+              <a14:hiddenFill xmlns:a14="http://schemas.microsoft.com/office/drawing/2010/main">
+                <a:solidFill>
+                  <a:schemeClr val="accent1"/>
+                </a:solidFill>
+              </a14:hiddenFill>
+            </a:ext>
+            <a:ext uri="{91240B29-F687-4F45-9708-019B960494DF}">
+              <a14:hiddenLine xmlns:a14="http://schemas.microsoft.com/office/drawing/2010/main" w="9525">
+                <a:solidFill>
+                  <a:schemeClr val="tx1"/>
+                </a:solidFill>
+                <a:miter lim="800000"/>
+                <a:headEnd/>
+                <a:tailEnd/>
+              </a14:hiddenLine>
+            </a:ext>
+          </a:extLst>
+        </p:spPr>
+      </p:pic>
+      <p:sp>
+        <p:nvSpPr>
+          <p:cNvPr id="5" name="TextBox 4"/>
+          <p:cNvSpPr txBox="1"/>
+          <p:nvPr/>
+        </p:nvSpPr>
+        <p:spPr>
+          <a:xfrm>
+            <a:off x="4038600" y="221756"/>
+            <a:ext cx="7010400" cy="461665"/>
+          </a:xfrm>
+          <a:prstGeom prst="rect">
+            <a:avLst/>
+          </a:prstGeom>
+          <a:noFill/>
+        </p:spPr>
+        <p:txBody>
+          <a:bodyPr wrap="square" rtlCol="0">
+            <a:spAutoFit/>
+          </a:bodyPr>
+          <a:lstStyle/>
+          <a:p>
+            <a:r>
+              <a:rPr lang="en-US" sz="2400" dirty="0">
+                <a:solidFill>
+                  <a:schemeClr val="bg1"/>
+                </a:solidFill>
+              </a:rPr>
+              <a:t>Breweries per state</a:t>
+            </a:r>
+          </a:p>
+        </p:txBody>
+      </p:sp>
+    </p:spTree>
+    <p:extLst>
+      <p:ext uri="{BB962C8B-B14F-4D97-AF65-F5344CB8AC3E}">
+        <p14:creationId xmlns:p14="http://schemas.microsoft.com/office/powerpoint/2010/main" val="2594062167"/>
       </p:ext>
     </p:extLst>
   </p:cSld>

--- a/presentation/Team_TAM_CaseStudy02.pptx
+++ b/presentation/Team_TAM_CaseStudy02.pptx
@@ -5,7 +5,7 @@
     <p:sldMasterId id="2147483669" r:id="rId1"/>
   </p:sldMasterIdLst>
   <p:notesMasterIdLst>
-    <p:notesMasterId r:id="rId11"/>
+    <p:notesMasterId r:id="rId12"/>
   </p:notesMasterIdLst>
   <p:sldIdLst>
     <p:sldId id="256" r:id="rId2"/>
@@ -15,22 +15,23 @@
     <p:sldId id="309" r:id="rId6"/>
     <p:sldId id="308" r:id="rId7"/>
     <p:sldId id="267" r:id="rId8"/>
-    <p:sldId id="278" r:id="rId9"/>
-    <p:sldId id="306" r:id="rId10"/>
+    <p:sldId id="310" r:id="rId9"/>
+    <p:sldId id="278" r:id="rId10"/>
+    <p:sldId id="306" r:id="rId11"/>
   </p:sldIdLst>
   <p:sldSz cx="12192000" cy="6858000"/>
   <p:notesSz cx="6858000" cy="9144000"/>
   <p:embeddedFontLst>
     <p:embeddedFont>
-      <p:font typeface="Calibri" panose="020F0502020204030204" pitchFamily="34" charset="0"/>
-      <p:regular r:id="rId12"/>
+      <p:font typeface="Arial Black" panose="020B0A04020102020204" pitchFamily="34" charset="0"/>
       <p:bold r:id="rId13"/>
-      <p:italic r:id="rId14"/>
-      <p:boldItalic r:id="rId15"/>
     </p:embeddedFont>
     <p:embeddedFont>
-      <p:font typeface="Arial Black" panose="020B0A04020102020204" pitchFamily="34" charset="0"/>
-      <p:bold r:id="rId16"/>
+      <p:font typeface="Calibri" panose="020F0502020204030204" pitchFamily="34" charset="0"/>
+      <p:regular r:id="rId14"/>
+      <p:bold r:id="rId15"/>
+      <p:italic r:id="rId16"/>
+      <p:boldItalic r:id="rId17"/>
     </p:embeddedFont>
   </p:embeddedFontLst>
   <p:defaultTextStyle>
@@ -264,7 +265,7 @@
   </p:defaultTextStyle>
   <p:extLst>
     <p:ext uri="{EFAFB233-063F-42B5-8137-9DF3F51BA10A}">
-      <p15:sldGuideLst xmlns:p15="http://schemas.microsoft.com/office/powerpoint/2012/main">
+      <p15:sldGuideLst xmlns="" xmlns:p15="http://schemas.microsoft.com/office/powerpoint/2012/main">
         <p15:guide id="1" orient="horz" pos="2160">
           <p15:clr>
             <a:srgbClr val="A4A3A4"/>
@@ -8773,6 +8774,135 @@
 </p:sld>
 </file>
 
+<file path=ppt/slides/slide10.xml><?xml version="1.0" encoding="utf-8"?>
+<p:sld xmlns:a="http://schemas.openxmlformats.org/drawingml/2006/main" xmlns:r="http://schemas.openxmlformats.org/officeDocument/2006/relationships" xmlns:p="http://schemas.openxmlformats.org/presentationml/2006/main">
+  <p:cSld>
+    <p:spTree>
+      <p:nvGrpSpPr>
+        <p:cNvPr id="1" name="Shape 507"/>
+        <p:cNvGrpSpPr/>
+        <p:nvPr/>
+      </p:nvGrpSpPr>
+      <p:grpSpPr>
+        <a:xfrm>
+          <a:off x="0" y="0"/>
+          <a:ext cx="0" cy="0"/>
+          <a:chOff x="0" y="0"/>
+          <a:chExt cx="0" cy="0"/>
+        </a:xfrm>
+      </p:grpSpPr>
+      <p:sp>
+        <p:nvSpPr>
+          <p:cNvPr id="508" name="Google Shape;508;p73"/>
+          <p:cNvSpPr txBox="1">
+            <a:spLocks noGrp="1"/>
+          </p:cNvSpPr>
+          <p:nvPr>
+            <p:ph type="ctrTitle"/>
+          </p:nvPr>
+        </p:nvSpPr>
+        <p:spPr>
+          <a:xfrm>
+            <a:off x="1993692" y="2533338"/>
+            <a:ext cx="8109677" cy="3612629"/>
+          </a:xfrm>
+          <a:prstGeom prst="rect">
+            <a:avLst/>
+          </a:prstGeom>
+          <a:noFill/>
+          <a:ln>
+            <a:noFill/>
+          </a:ln>
+        </p:spPr>
+        <p:txBody>
+          <a:bodyPr spcFirstLastPara="1" wrap="square" lIns="91425" tIns="45700" rIns="91425" bIns="45700" anchor="t" anchorCtr="0">
+            <a:noAutofit/>
+          </a:bodyPr>
+          <a:lstStyle/>
+          <a:p>
+            <a:pPr marL="0" marR="0" lvl="0" indent="0" algn="ctr" rtl="0">
+              <a:lnSpc>
+                <a:spcPct val="90000"/>
+              </a:lnSpc>
+              <a:spcBef>
+                <a:spcPts val="0"/>
+              </a:spcBef>
+              <a:spcAft>
+                <a:spcPts val="0"/>
+              </a:spcAft>
+              <a:buClr>
+                <a:schemeClr val="lt1"/>
+              </a:buClr>
+              <a:buSzPts val="6700"/>
+              <a:buFont typeface="Arial Black"/>
+              <a:buNone/>
+            </a:pPr>
+            <a:r>
+              <a:rPr lang="en-US" sz="6700" b="0" i="0" u="none" strike="noStrike" cap="none" dirty="0">
+                <a:solidFill>
+                  <a:schemeClr val="lt1"/>
+                </a:solidFill>
+                <a:latin typeface="Arial Black"/>
+                <a:ea typeface="Arial Black"/>
+                <a:cs typeface="Arial Black"/>
+                <a:sym typeface="Arial Black"/>
+              </a:rPr>
+              <a:t>CHEERS!</a:t>
+            </a:r>
+            <a:br>
+              <a:rPr lang="en-US" sz="6700" b="0" i="0" u="none" strike="noStrike" cap="none" dirty="0">
+                <a:solidFill>
+                  <a:schemeClr val="lt1"/>
+                </a:solidFill>
+                <a:latin typeface="Arial Black"/>
+                <a:ea typeface="Arial Black"/>
+                <a:cs typeface="Arial Black"/>
+                <a:sym typeface="Arial Black"/>
+              </a:rPr>
+            </a:br>
+            <a:r>
+              <a:rPr lang="en-US" sz="4800" b="0" i="0" u="none" strike="noStrike" cap="none" dirty="0">
+                <a:solidFill>
+                  <a:schemeClr val="lt1"/>
+                </a:solidFill>
+                <a:latin typeface="Arial Black"/>
+                <a:ea typeface="Arial Black"/>
+                <a:cs typeface="Arial Black"/>
+                <a:sym typeface="Arial Black"/>
+              </a:rPr>
+              <a:t/>
+            </a:r>
+            <a:br>
+              <a:rPr lang="en-US" sz="4800" b="0" i="0" u="none" strike="noStrike" cap="none" dirty="0">
+                <a:solidFill>
+                  <a:schemeClr val="lt1"/>
+                </a:solidFill>
+                <a:latin typeface="Arial Black"/>
+                <a:ea typeface="Arial Black"/>
+                <a:cs typeface="Arial Black"/>
+                <a:sym typeface="Arial Black"/>
+              </a:rPr>
+            </a:br>
+            <a:endParaRPr sz="4800" b="0" i="0" u="none" strike="noStrike" cap="none" dirty="0">
+              <a:solidFill>
+                <a:schemeClr val="lt1"/>
+              </a:solidFill>
+              <a:latin typeface="Arial Black"/>
+              <a:ea typeface="Arial Black"/>
+              <a:cs typeface="Arial Black"/>
+              <a:sym typeface="Arial Black"/>
+            </a:endParaRPr>
+          </a:p>
+        </p:txBody>
+      </p:sp>
+    </p:spTree>
+  </p:cSld>
+  <p:clrMapOvr>
+    <a:masterClrMapping/>
+  </p:clrMapOvr>
+</p:sld>
+</file>
+
 <file path=ppt/slides/slide2.xml><?xml version="1.0" encoding="utf-8"?>
 <p:sld xmlns:a="http://schemas.openxmlformats.org/drawingml/2006/main" xmlns:r="http://schemas.openxmlformats.org/officeDocument/2006/relationships" xmlns:p="http://schemas.openxmlformats.org/presentationml/2006/main">
   <p:cSld>
@@ -9077,10 +9207,10 @@
       </p:sp>
       <p:pic>
         <p:nvPicPr>
-          <p:cNvPr id="4" name="Picture 3">
+          <p:cNvPr id="5" name="Picture 4">
             <a:extLst>
               <a:ext uri="{FF2B5EF4-FFF2-40B4-BE49-F238E27FC236}">
-                <a16:creationId xmlns:a16="http://schemas.microsoft.com/office/drawing/2014/main" id="{8EBB9D79-57ED-46D2-93ED-718D6E59963F}"/>
+                <a16:creationId xmlns="" xmlns:a16="http://schemas.microsoft.com/office/drawing/2014/main" id="{8EBB9D79-57ED-46D2-93ED-718D6E59963F}"/>
               </a:ext>
             </a:extLst>
           </p:cNvPr>
@@ -9097,7 +9227,7 @@
         </p:blipFill>
         <p:spPr>
           <a:xfrm>
-            <a:off x="5257800" y="1424238"/>
+            <a:off x="5410200" y="1752600"/>
             <a:ext cx="5867400" cy="4070065"/>
           </a:xfrm>
           <a:prstGeom prst="rect">
@@ -9504,7 +9634,7 @@
           <p:cNvPr id="2" name="Title 1">
             <a:extLst>
               <a:ext uri="{FF2B5EF4-FFF2-40B4-BE49-F238E27FC236}">
-                <a16:creationId xmlns:a16="http://schemas.microsoft.com/office/drawing/2014/main" id="{B4C5CE60-BA34-4EB1-AFE4-F8541F57C647}"/>
+                <a16:creationId xmlns="" xmlns:a16="http://schemas.microsoft.com/office/drawing/2014/main" id="{B4C5CE60-BA34-4EB1-AFE4-F8541F57C647}"/>
               </a:ext>
             </a:extLst>
           </p:cNvPr>
@@ -9537,7 +9667,7 @@
           <p:cNvPr id="3" name="Subtitle 2">
             <a:extLst>
               <a:ext uri="{FF2B5EF4-FFF2-40B4-BE49-F238E27FC236}">
-                <a16:creationId xmlns:a16="http://schemas.microsoft.com/office/drawing/2014/main" id="{ECF40949-3419-4D86-9EA0-056B24162E36}"/>
+                <a16:creationId xmlns="" xmlns:a16="http://schemas.microsoft.com/office/drawing/2014/main" id="{ECF40949-3419-4D86-9EA0-056B24162E36}"/>
               </a:ext>
             </a:extLst>
           </p:cNvPr>
@@ -9570,7 +9700,7 @@
           <p:cNvPr id="4" name="TextBox 3">
             <a:extLst>
               <a:ext uri="{FF2B5EF4-FFF2-40B4-BE49-F238E27FC236}">
-                <a16:creationId xmlns:a16="http://schemas.microsoft.com/office/drawing/2014/main" id="{2458D550-CAA8-49F2-B583-126747A01CD3}"/>
+                <a16:creationId xmlns="" xmlns:a16="http://schemas.microsoft.com/office/drawing/2014/main" id="{2458D550-CAA8-49F2-B583-126747A01CD3}"/>
               </a:ext>
             </a:extLst>
           </p:cNvPr>
@@ -9609,7 +9739,7 @@
           <p:cNvPr id="6" name="TextBox 5">
             <a:extLst>
               <a:ext uri="{FF2B5EF4-FFF2-40B4-BE49-F238E27FC236}">
-                <a16:creationId xmlns:a16="http://schemas.microsoft.com/office/drawing/2014/main" id="{23FF784C-A5C9-4B5D-85C0-6320E31EA018}"/>
+                <a16:creationId xmlns="" xmlns:a16="http://schemas.microsoft.com/office/drawing/2014/main" id="{23FF784C-A5C9-4B5D-85C0-6320E31EA018}"/>
               </a:ext>
             </a:extLst>
           </p:cNvPr>
@@ -9648,7 +9778,7 @@
           <p:cNvPr id="7" name="Picture 6">
             <a:extLst>
               <a:ext uri="{FF2B5EF4-FFF2-40B4-BE49-F238E27FC236}">
-                <a16:creationId xmlns:a16="http://schemas.microsoft.com/office/drawing/2014/main" id="{CCB9BC53-C439-46A3-9851-5E0C7FDD26C4}"/>
+                <a16:creationId xmlns="" xmlns:a16="http://schemas.microsoft.com/office/drawing/2014/main" id="{CCB9BC53-C439-46A3-9851-5E0C7FDD26C4}"/>
               </a:ext>
             </a:extLst>
           </p:cNvPr>
@@ -9901,7 +10031,7 @@
         </p:blipFill>
         <p:spPr bwMode="auto">
           <a:xfrm>
-            <a:off x="1486584" y="3722182"/>
+            <a:off x="3048000" y="4142844"/>
             <a:ext cx="2533650" cy="1905000"/>
           </a:xfrm>
           <a:prstGeom prst="rect">
@@ -9941,7 +10071,7 @@
         <p:spPr>
           <a:xfrm>
             <a:off x="228600" y="1600200"/>
-            <a:ext cx="5029200" cy="1384995"/>
+            <a:ext cx="5029200" cy="2246769"/>
           </a:xfrm>
           <a:prstGeom prst="rect">
             <a:avLst/>
@@ -9992,8 +10122,52 @@
                   <a:schemeClr val="bg1"/>
                 </a:solidFill>
               </a:rPr>
-              <a:t>Our highest alcohol content sits at 12.8% and lowest at less .1%</a:t>
+              <a:t>Our highest alcohol content sits at 12.8% and lowest at less .1</a:t>
             </a:r>
+            <a:r>
+              <a:rPr lang="en-US" dirty="0" smtClean="0">
+                <a:solidFill>
+                  <a:schemeClr val="bg1"/>
+                </a:solidFill>
+              </a:rPr>
+              <a:t>%</a:t>
+            </a:r>
+          </a:p>
+          <a:p>
+            <a:pPr marL="285750" indent="-285750">
+              <a:buFont typeface="Arial" panose="020B0604020202020204" pitchFamily="34" charset="0"/>
+              <a:buChar char="•"/>
+            </a:pPr>
+            <a:r>
+              <a:rPr lang="en-US" dirty="0" smtClean="0">
+                <a:solidFill>
+                  <a:schemeClr val="bg1"/>
+                </a:solidFill>
+              </a:rPr>
+              <a:t>None of the top selling beers had an ABV of over 10%, so we will not be entering this niche market</a:t>
+            </a:r>
+          </a:p>
+          <a:p>
+            <a:pPr marL="285750" indent="-285750">
+              <a:buFont typeface="Arial" panose="020B0604020202020204" pitchFamily="34" charset="0"/>
+              <a:buChar char="•"/>
+            </a:pPr>
+            <a:endParaRPr lang="en-US" dirty="0" smtClean="0">
+              <a:solidFill>
+                <a:schemeClr val="bg1"/>
+              </a:solidFill>
+            </a:endParaRPr>
+          </a:p>
+          <a:p>
+            <a:pPr marL="285750" indent="-285750">
+              <a:buFont typeface="Arial" panose="020B0604020202020204" pitchFamily="34" charset="0"/>
+              <a:buChar char="•"/>
+            </a:pPr>
+            <a:endParaRPr lang="en-US" dirty="0">
+              <a:solidFill>
+                <a:schemeClr val="bg1"/>
+              </a:solidFill>
+            </a:endParaRPr>
           </a:p>
           <a:p>
             <a:pPr marL="285750" indent="-285750">
@@ -10031,8 +10205,62 @@
         </p:blipFill>
         <p:spPr bwMode="auto">
           <a:xfrm>
-            <a:off x="5410200" y="1913990"/>
+            <a:off x="6019800" y="1823332"/>
             <a:ext cx="5867400" cy="3616385"/>
+          </a:xfrm>
+          <a:prstGeom prst="rect">
+            <a:avLst/>
+          </a:prstGeom>
+          <a:noFill/>
+          <a:ln>
+            <a:noFill/>
+          </a:ln>
+          <a:extLst>
+            <a:ext uri="{909E8E84-426E-40DD-AFC4-6F175D3DCCD1}">
+              <a14:hiddenFill xmlns:a14="http://schemas.microsoft.com/office/drawing/2010/main">
+                <a:solidFill>
+                  <a:schemeClr val="accent1"/>
+                </a:solidFill>
+              </a14:hiddenFill>
+            </a:ext>
+            <a:ext uri="{91240B29-F687-4F45-9708-019B960494DF}">
+              <a14:hiddenLine xmlns:a14="http://schemas.microsoft.com/office/drawing/2010/main" w="9525">
+                <a:solidFill>
+                  <a:schemeClr val="tx1"/>
+                </a:solidFill>
+                <a:miter lim="800000"/>
+                <a:headEnd/>
+                <a:tailEnd/>
+              </a14:hiddenLine>
+            </a:ext>
+          </a:extLst>
+        </p:spPr>
+      </p:pic>
+      <p:pic>
+        <p:nvPicPr>
+          <p:cNvPr id="2049" name="Picture 1"/>
+          <p:cNvPicPr>
+            <a:picLocks noChangeAspect="1" noChangeArrowheads="1"/>
+          </p:cNvPicPr>
+          <p:nvPr/>
+        </p:nvPicPr>
+        <p:blipFill>
+          <a:blip r:embed="rId5">
+            <a:extLst>
+              <a:ext uri="{28A0092B-C50C-407E-A947-70E740481C1C}">
+                <a14:useLocalDpi xmlns:a14="http://schemas.microsoft.com/office/drawing/2010/main" val="0"/>
+              </a:ext>
+            </a:extLst>
+          </a:blip>
+          <a:srcRect/>
+          <a:stretch>
+            <a:fillRect/>
+          </a:stretch>
+        </p:blipFill>
+        <p:spPr bwMode="auto">
+          <a:xfrm>
+            <a:off x="258715" y="4060855"/>
+            <a:ext cx="2389283" cy="1378862"/>
           </a:xfrm>
           <a:prstGeom prst="rect">
             <a:avLst/>
@@ -10071,6 +10299,299 @@
 </file>
 
 <file path=ppt/slides/slide8.xml><?xml version="1.0" encoding="utf-8"?>
+<p:sld xmlns:a="http://schemas.openxmlformats.org/drawingml/2006/main" xmlns:r="http://schemas.openxmlformats.org/officeDocument/2006/relationships" xmlns:p="http://schemas.openxmlformats.org/presentationml/2006/main">
+  <p:cSld>
+    <p:spTree>
+      <p:nvGrpSpPr>
+        <p:cNvPr id="1" name=""/>
+        <p:cNvGrpSpPr/>
+        <p:nvPr/>
+      </p:nvGrpSpPr>
+      <p:grpSpPr>
+        <a:xfrm>
+          <a:off x="0" y="0"/>
+          <a:ext cx="0" cy="0"/>
+          <a:chOff x="0" y="0"/>
+          <a:chExt cx="0" cy="0"/>
+        </a:xfrm>
+      </p:grpSpPr>
+      <p:sp>
+        <p:nvSpPr>
+          <p:cNvPr id="4" name="TextBox 3"/>
+          <p:cNvSpPr txBox="1"/>
+          <p:nvPr/>
+        </p:nvSpPr>
+        <p:spPr>
+          <a:xfrm>
+            <a:off x="1752600" y="762000"/>
+            <a:ext cx="8001000" cy="769441"/>
+          </a:xfrm>
+          <a:prstGeom prst="rect">
+            <a:avLst/>
+          </a:prstGeom>
+          <a:noFill/>
+        </p:spPr>
+        <p:txBody>
+          <a:bodyPr wrap="square" rtlCol="0">
+            <a:spAutoFit/>
+          </a:bodyPr>
+          <a:lstStyle/>
+          <a:p>
+            <a:pPr algn="ctr"/>
+            <a:r>
+              <a:rPr lang="en-US" sz="4400" dirty="0" smtClean="0">
+                <a:solidFill>
+                  <a:schemeClr val="bg1"/>
+                </a:solidFill>
+              </a:rPr>
+              <a:t>Ales and IPAs</a:t>
+            </a:r>
+            <a:endParaRPr lang="en-US" sz="4400" dirty="0">
+              <a:solidFill>
+                <a:schemeClr val="bg1"/>
+              </a:solidFill>
+            </a:endParaRPr>
+          </a:p>
+        </p:txBody>
+      </p:sp>
+      <p:sp>
+        <p:nvSpPr>
+          <p:cNvPr id="5" name="TextBox 4"/>
+          <p:cNvSpPr txBox="1"/>
+          <p:nvPr/>
+        </p:nvSpPr>
+        <p:spPr>
+          <a:xfrm>
+            <a:off x="1371600" y="1759901"/>
+            <a:ext cx="3276600" cy="2154436"/>
+          </a:xfrm>
+          <a:prstGeom prst="rect">
+            <a:avLst/>
+          </a:prstGeom>
+          <a:noFill/>
+        </p:spPr>
+        <p:txBody>
+          <a:bodyPr wrap="square" rtlCol="0">
+            <a:spAutoFit/>
+          </a:bodyPr>
+          <a:lstStyle/>
+          <a:p>
+            <a:pPr marL="285750" indent="-285750">
+              <a:buFont typeface="Arial" panose="020B0604020202020204" pitchFamily="34" charset="0"/>
+              <a:buChar char="•"/>
+            </a:pPr>
+            <a:r>
+              <a:rPr lang="en-US" sz="2000" dirty="0" smtClean="0">
+                <a:solidFill>
+                  <a:schemeClr val="bg1"/>
+                </a:solidFill>
+              </a:rPr>
+              <a:t>Originally brewed without hops</a:t>
+            </a:r>
+          </a:p>
+          <a:p>
+            <a:pPr marL="285750" indent="-285750">
+              <a:buFont typeface="Arial" panose="020B0604020202020204" pitchFamily="34" charset="0"/>
+              <a:buChar char="•"/>
+            </a:pPr>
+            <a:r>
+              <a:rPr lang="en-US" sz="2000" dirty="0" smtClean="0">
+                <a:solidFill>
+                  <a:schemeClr val="bg1"/>
+                </a:solidFill>
+              </a:rPr>
+              <a:t>Modern ales have a fruitier taste</a:t>
+            </a:r>
+          </a:p>
+          <a:p>
+            <a:pPr marL="285750" indent="-285750">
+              <a:buFont typeface="Arial" panose="020B0604020202020204" pitchFamily="34" charset="0"/>
+              <a:buChar char="•"/>
+            </a:pPr>
+            <a:r>
+              <a:rPr lang="en-US" sz="2000" dirty="0" smtClean="0">
+                <a:solidFill>
+                  <a:schemeClr val="bg1"/>
+                </a:solidFill>
+              </a:rPr>
+              <a:t>Been around since medieval times</a:t>
+            </a:r>
+          </a:p>
+          <a:p>
+            <a:endParaRPr lang="en-US" dirty="0">
+              <a:solidFill>
+                <a:schemeClr val="bg1"/>
+              </a:solidFill>
+            </a:endParaRPr>
+          </a:p>
+        </p:txBody>
+      </p:sp>
+      <p:sp>
+        <p:nvSpPr>
+          <p:cNvPr id="6" name="TextBox 5"/>
+          <p:cNvSpPr txBox="1"/>
+          <p:nvPr/>
+        </p:nvSpPr>
+        <p:spPr>
+          <a:xfrm>
+            <a:off x="6858000" y="1752600"/>
+            <a:ext cx="3200400" cy="4801314"/>
+          </a:xfrm>
+          <a:prstGeom prst="rect">
+            <a:avLst/>
+          </a:prstGeom>
+          <a:noFill/>
+        </p:spPr>
+        <p:txBody>
+          <a:bodyPr wrap="square" rtlCol="0">
+            <a:spAutoFit/>
+          </a:bodyPr>
+          <a:lstStyle/>
+          <a:p>
+            <a:pPr marL="285750" indent="-285750">
+              <a:buFont typeface="Arial" panose="020B0604020202020204" pitchFamily="34" charset="0"/>
+              <a:buChar char="•"/>
+            </a:pPr>
+            <a:r>
+              <a:rPr lang="en-US" sz="1800" dirty="0" smtClean="0">
+                <a:solidFill>
+                  <a:schemeClr val="bg1"/>
+                </a:solidFill>
+              </a:rPr>
+              <a:t>Also known as India Pale Ale</a:t>
+            </a:r>
+          </a:p>
+          <a:p>
+            <a:pPr marL="285750" indent="-285750">
+              <a:buFont typeface="Arial" panose="020B0604020202020204" pitchFamily="34" charset="0"/>
+              <a:buChar char="•"/>
+            </a:pPr>
+            <a:r>
+              <a:rPr lang="en-US" sz="1800" dirty="0" smtClean="0">
+                <a:solidFill>
+                  <a:schemeClr val="bg1"/>
+                </a:solidFill>
+              </a:rPr>
+              <a:t>Originated when London was shipping beers to soldiers stationed in India</a:t>
+            </a:r>
+          </a:p>
+          <a:p>
+            <a:pPr marL="285750" indent="-285750">
+              <a:buFont typeface="Arial" panose="020B0604020202020204" pitchFamily="34" charset="0"/>
+              <a:buChar char="•"/>
+            </a:pPr>
+            <a:r>
+              <a:rPr lang="en-US" sz="1800" dirty="0" smtClean="0">
+                <a:solidFill>
+                  <a:schemeClr val="bg1"/>
+                </a:solidFill>
+              </a:rPr>
+              <a:t>The manufacturers in London emphasized adding hops, this accounts for the bitterness in this brew</a:t>
+            </a:r>
+          </a:p>
+          <a:p>
+            <a:pPr marL="285750" indent="-285750">
+              <a:buFont typeface="Arial" panose="020B0604020202020204" pitchFamily="34" charset="0"/>
+              <a:buChar char="•"/>
+            </a:pPr>
+            <a:r>
+              <a:rPr lang="en-US" sz="1800" dirty="0" smtClean="0">
+                <a:solidFill>
+                  <a:schemeClr val="bg1"/>
+                </a:solidFill>
+              </a:rPr>
+              <a:t>Traditionally brewed with English malt, hops and yeast</a:t>
+            </a:r>
+          </a:p>
+          <a:p>
+            <a:pPr marL="285750" indent="-285750">
+              <a:buFont typeface="Arial" panose="020B0604020202020204" pitchFamily="34" charset="0"/>
+              <a:buChar char="•"/>
+            </a:pPr>
+            <a:r>
+              <a:rPr lang="en-US" sz="1800" dirty="0" smtClean="0">
+                <a:solidFill>
+                  <a:schemeClr val="bg1"/>
+                </a:solidFill>
+              </a:rPr>
+              <a:t>Beer taste ranges even amongst IPAS, however they are known for being more bitter</a:t>
+            </a:r>
+            <a:endParaRPr lang="en-US" sz="1800" dirty="0">
+              <a:solidFill>
+                <a:schemeClr val="bg1"/>
+              </a:solidFill>
+            </a:endParaRPr>
+          </a:p>
+        </p:txBody>
+      </p:sp>
+      <p:pic>
+        <p:nvPicPr>
+          <p:cNvPr id="3074" name="Picture 2"/>
+          <p:cNvPicPr>
+            <a:picLocks noChangeAspect="1" noChangeArrowheads="1"/>
+          </p:cNvPicPr>
+          <p:nvPr/>
+        </p:nvPicPr>
+        <p:blipFill>
+          <a:blip r:embed="rId2">
+            <a:extLst>
+              <a:ext uri="{28A0092B-C50C-407E-A947-70E740481C1C}">
+                <a14:useLocalDpi xmlns:a14="http://schemas.microsoft.com/office/drawing/2010/main" val="0"/>
+              </a:ext>
+            </a:extLst>
+          </a:blip>
+          <a:srcRect/>
+          <a:stretch>
+            <a:fillRect/>
+          </a:stretch>
+        </p:blipFill>
+        <p:spPr bwMode="auto">
+          <a:xfrm>
+            <a:off x="1295400" y="4592836"/>
+            <a:ext cx="4296396" cy="2119402"/>
+          </a:xfrm>
+          <a:prstGeom prst="rect">
+            <a:avLst/>
+          </a:prstGeom>
+          <a:noFill/>
+          <a:ln>
+            <a:noFill/>
+          </a:ln>
+          <a:extLst>
+            <a:ext uri="{909E8E84-426E-40DD-AFC4-6F175D3DCCD1}">
+              <a14:hiddenFill xmlns:a14="http://schemas.microsoft.com/office/drawing/2010/main">
+                <a:solidFill>
+                  <a:schemeClr val="accent1"/>
+                </a:solidFill>
+              </a14:hiddenFill>
+            </a:ext>
+            <a:ext uri="{91240B29-F687-4F45-9708-019B960494DF}">
+              <a14:hiddenLine xmlns:a14="http://schemas.microsoft.com/office/drawing/2010/main" w="9525">
+                <a:solidFill>
+                  <a:schemeClr val="tx1"/>
+                </a:solidFill>
+                <a:miter lim="800000"/>
+                <a:headEnd/>
+                <a:tailEnd/>
+              </a14:hiddenLine>
+            </a:ext>
+          </a:extLst>
+        </p:spPr>
+      </p:pic>
+    </p:spTree>
+    <p:extLst>
+      <p:ext uri="{BB962C8B-B14F-4D97-AF65-F5344CB8AC3E}">
+        <p14:creationId xmlns:p14="http://schemas.microsoft.com/office/powerpoint/2010/main" val="2235023784"/>
+      </p:ext>
+    </p:extLst>
+  </p:cSld>
+  <p:clrMapOvr>
+    <a:masterClrMapping/>
+  </p:clrMapOvr>
+</p:sld>
+</file>
+
+<file path=ppt/slides/slide9.xml><?xml version="1.0" encoding="utf-8"?>
 <p:sld xmlns:a="http://schemas.openxmlformats.org/drawingml/2006/main" xmlns:r="http://schemas.openxmlformats.org/officeDocument/2006/relationships" xmlns:p="http://schemas.openxmlformats.org/presentationml/2006/main">
   <p:cSld>
     <p:spTree>
@@ -10099,7 +10620,7 @@
         </p:nvSpPr>
         <p:spPr>
           <a:xfrm>
-            <a:off x="2209800" y="381000"/>
+            <a:off x="1447800" y="228600"/>
             <a:ext cx="7147034" cy="1416100"/>
           </a:xfrm>
           <a:prstGeom prst="rect">
@@ -10165,8 +10686,8 @@
         </p:nvSpPr>
         <p:spPr>
           <a:xfrm>
-            <a:off x="6400800" y="2590800"/>
-            <a:ext cx="3352800" cy="3139321"/>
+            <a:off x="6324600" y="1524000"/>
+            <a:ext cx="3352800" cy="5355312"/>
           </a:xfrm>
           <a:prstGeom prst="rect">
             <a:avLst/>
@@ -10214,8 +10735,37 @@
                   <a:schemeClr val="bg1"/>
                 </a:solidFill>
               </a:rPr>
-              <a:t>A low p-value supports our correlation value of .67</a:t>
+              <a:t>A low p-value supports our correlation value of .</a:t>
             </a:r>
+            <a:r>
+              <a:rPr lang="en-US" sz="1800" dirty="0" smtClean="0">
+                <a:solidFill>
+                  <a:schemeClr val="bg1"/>
+                </a:solidFill>
+              </a:rPr>
+              <a:t>67, at a </a:t>
+            </a:r>
+            <a:r>
+              <a:rPr lang="en-US" sz="1800" dirty="0" err="1" smtClean="0">
+                <a:solidFill>
+                  <a:schemeClr val="bg1"/>
+                </a:solidFill>
+              </a:rPr>
+              <a:t>significiance</a:t>
+            </a:r>
+            <a:r>
+              <a:rPr lang="en-US" sz="1800" dirty="0" smtClean="0">
+                <a:solidFill>
+                  <a:schemeClr val="bg1"/>
+                </a:solidFill>
+              </a:rPr>
+              <a:t> level of .05, meaning we have enough evidence to suggest that the data is linearly correlated. What does this mean? ABV explains 67% of the variation in bitterness levels of our beer.</a:t>
+            </a:r>
+            <a:endParaRPr lang="en-US" sz="1800" dirty="0">
+              <a:solidFill>
+                <a:schemeClr val="bg1"/>
+              </a:solidFill>
+            </a:endParaRPr>
           </a:p>
           <a:p>
             <a:pPr marL="285750" indent="-285750">
@@ -10314,123 +10864,6 @@
           </a:extLst>
         </p:spPr>
       </p:pic>
-    </p:spTree>
-  </p:cSld>
-  <p:clrMapOvr>
-    <a:masterClrMapping/>
-  </p:clrMapOvr>
-</p:sld>
-</file>
-
-<file path=ppt/slides/slide9.xml><?xml version="1.0" encoding="utf-8"?>
-<p:sld xmlns:a="http://schemas.openxmlformats.org/drawingml/2006/main" xmlns:r="http://schemas.openxmlformats.org/officeDocument/2006/relationships" xmlns:p="http://schemas.openxmlformats.org/presentationml/2006/main">
-  <p:cSld>
-    <p:spTree>
-      <p:nvGrpSpPr>
-        <p:cNvPr id="1" name="Shape 507"/>
-        <p:cNvGrpSpPr/>
-        <p:nvPr/>
-      </p:nvGrpSpPr>
-      <p:grpSpPr>
-        <a:xfrm>
-          <a:off x="0" y="0"/>
-          <a:ext cx="0" cy="0"/>
-          <a:chOff x="0" y="0"/>
-          <a:chExt cx="0" cy="0"/>
-        </a:xfrm>
-      </p:grpSpPr>
-      <p:sp>
-        <p:nvSpPr>
-          <p:cNvPr id="508" name="Google Shape;508;p73"/>
-          <p:cNvSpPr txBox="1">
-            <a:spLocks noGrp="1"/>
-          </p:cNvSpPr>
-          <p:nvPr>
-            <p:ph type="ctrTitle"/>
-          </p:nvPr>
-        </p:nvSpPr>
-        <p:spPr>
-          <a:xfrm>
-            <a:off x="1993692" y="2533338"/>
-            <a:ext cx="8109677" cy="3612629"/>
-          </a:xfrm>
-          <a:prstGeom prst="rect">
-            <a:avLst/>
-          </a:prstGeom>
-          <a:noFill/>
-          <a:ln>
-            <a:noFill/>
-          </a:ln>
-        </p:spPr>
-        <p:txBody>
-          <a:bodyPr spcFirstLastPara="1" wrap="square" lIns="91425" tIns="45700" rIns="91425" bIns="45700" anchor="t" anchorCtr="0">
-            <a:noAutofit/>
-          </a:bodyPr>
-          <a:lstStyle/>
-          <a:p>
-            <a:pPr marL="0" marR="0" lvl="0" indent="0" algn="ctr" rtl="0">
-              <a:lnSpc>
-                <a:spcPct val="90000"/>
-              </a:lnSpc>
-              <a:spcBef>
-                <a:spcPts val="0"/>
-              </a:spcBef>
-              <a:spcAft>
-                <a:spcPts val="0"/>
-              </a:spcAft>
-              <a:buClr>
-                <a:schemeClr val="lt1"/>
-              </a:buClr>
-              <a:buSzPts val="6700"/>
-              <a:buFont typeface="Arial Black"/>
-              <a:buNone/>
-            </a:pPr>
-            <a:r>
-              <a:rPr lang="en-US" sz="6700" b="0" i="0" u="none" strike="noStrike" cap="none" dirty="0">
-                <a:solidFill>
-                  <a:schemeClr val="lt1"/>
-                </a:solidFill>
-                <a:latin typeface="Arial Black"/>
-                <a:ea typeface="Arial Black"/>
-                <a:cs typeface="Arial Black"/>
-                <a:sym typeface="Arial Black"/>
-              </a:rPr>
-              <a:t>CHEERS!</a:t>
-            </a:r>
-            <a:br>
-              <a:rPr lang="en-US" sz="6700" b="0" i="0" u="none" strike="noStrike" cap="none" dirty="0">
-                <a:solidFill>
-                  <a:schemeClr val="lt1"/>
-                </a:solidFill>
-                <a:latin typeface="Arial Black"/>
-                <a:ea typeface="Arial Black"/>
-                <a:cs typeface="Arial Black"/>
-                <a:sym typeface="Arial Black"/>
-              </a:rPr>
-            </a:br>
-            <a:br>
-              <a:rPr lang="en-US" sz="4800" b="0" i="0" u="none" strike="noStrike" cap="none" dirty="0">
-                <a:solidFill>
-                  <a:schemeClr val="lt1"/>
-                </a:solidFill>
-                <a:latin typeface="Arial Black"/>
-                <a:ea typeface="Arial Black"/>
-                <a:cs typeface="Arial Black"/>
-                <a:sym typeface="Arial Black"/>
-              </a:rPr>
-            </a:br>
-            <a:endParaRPr sz="4800" b="0" i="0" u="none" strike="noStrike" cap="none" dirty="0">
-              <a:solidFill>
-                <a:schemeClr val="lt1"/>
-              </a:solidFill>
-              <a:latin typeface="Arial Black"/>
-              <a:ea typeface="Arial Black"/>
-              <a:cs typeface="Arial Black"/>
-              <a:sym typeface="Arial Black"/>
-            </a:endParaRPr>
-          </a:p>
-        </p:txBody>
-      </p:sp>
     </p:spTree>
   </p:cSld>
   <p:clrMapOvr>

--- a/presentation/Team_TAM_CaseStudy02.pptx
+++ b/presentation/Team_TAM_CaseStudy02.pptx
@@ -5,7 +5,7 @@
     <p:sldMasterId id="2147483669" r:id="rId1"/>
   </p:sldMasterIdLst>
   <p:notesMasterIdLst>
-    <p:notesMasterId r:id="rId11"/>
+    <p:notesMasterId r:id="rId12"/>
   </p:notesMasterIdLst>
   <p:sldIdLst>
     <p:sldId id="256" r:id="rId2"/>
@@ -15,22 +15,23 @@
     <p:sldId id="309" r:id="rId6"/>
     <p:sldId id="308" r:id="rId7"/>
     <p:sldId id="267" r:id="rId8"/>
-    <p:sldId id="278" r:id="rId9"/>
-    <p:sldId id="306" r:id="rId10"/>
+    <p:sldId id="310" r:id="rId9"/>
+    <p:sldId id="278" r:id="rId10"/>
+    <p:sldId id="306" r:id="rId11"/>
   </p:sldIdLst>
   <p:sldSz cx="12192000" cy="6858000"/>
   <p:notesSz cx="6858000" cy="9144000"/>
   <p:embeddedFontLst>
     <p:embeddedFont>
       <p:font typeface="Calibri" panose="020F0502020204030204" pitchFamily="34" charset="0"/>
-      <p:regular r:id="rId12"/>
-      <p:bold r:id="rId13"/>
-      <p:italic r:id="rId14"/>
-      <p:boldItalic r:id="rId15"/>
+      <p:regular r:id="rId13"/>
+      <p:bold r:id="rId14"/>
+      <p:italic r:id="rId15"/>
+      <p:boldItalic r:id="rId16"/>
     </p:embeddedFont>
     <p:embeddedFont>
       <p:font typeface="Arial Black" panose="020B0A04020102020204" pitchFamily="34" charset="0"/>
-      <p:bold r:id="rId16"/>
+      <p:bold r:id="rId17"/>
     </p:embeddedFont>
   </p:embeddedFontLst>
   <p:defaultTextStyle>
@@ -1888,6 +1889,115 @@
 </file>
 
 <file path=ppt/notesSlides/notesSlide5.xml><?xml version="1.0" encoding="utf-8"?>
+<p:notes xmlns:a="http://schemas.openxmlformats.org/drawingml/2006/main" xmlns:r="http://schemas.openxmlformats.org/officeDocument/2006/relationships" xmlns:p="http://schemas.openxmlformats.org/presentationml/2006/main">
+  <p:cSld>
+    <p:spTree>
+      <p:nvGrpSpPr>
+        <p:cNvPr id="1" name=""/>
+        <p:cNvGrpSpPr/>
+        <p:nvPr/>
+      </p:nvGrpSpPr>
+      <p:grpSpPr>
+        <a:xfrm>
+          <a:off x="0" y="0"/>
+          <a:ext cx="0" cy="0"/>
+          <a:chOff x="0" y="0"/>
+          <a:chExt cx="0" cy="0"/>
+        </a:xfrm>
+      </p:grpSpPr>
+      <p:sp>
+        <p:nvSpPr>
+          <p:cNvPr id="2" name="Slide Image Placeholder 1"/>
+          <p:cNvSpPr>
+            <a:spLocks noGrp="1" noRot="1" noChangeAspect="1"/>
+          </p:cNvSpPr>
+          <p:nvPr>
+            <p:ph type="sldImg"/>
+          </p:nvPr>
+        </p:nvSpPr>
+        <p:spPr/>
+      </p:sp>
+      <p:sp>
+        <p:nvSpPr>
+          <p:cNvPr id="3" name="Notes Placeholder 2"/>
+          <p:cNvSpPr>
+            <a:spLocks noGrp="1"/>
+          </p:cNvSpPr>
+          <p:nvPr>
+            <p:ph type="body" idx="1"/>
+          </p:nvPr>
+        </p:nvSpPr>
+        <p:spPr/>
+        <p:txBody>
+          <a:bodyPr/>
+          <a:lstStyle/>
+          <a:p>
+            <a:endParaRPr lang="en-US" dirty="0"/>
+          </a:p>
+        </p:txBody>
+      </p:sp>
+      <p:sp>
+        <p:nvSpPr>
+          <p:cNvPr id="4" name="Slide Number Placeholder 3"/>
+          <p:cNvSpPr>
+            <a:spLocks noGrp="1"/>
+          </p:cNvSpPr>
+          <p:nvPr>
+            <p:ph type="sldNum" idx="10"/>
+          </p:nvPr>
+        </p:nvSpPr>
+        <p:spPr/>
+        <p:txBody>
+          <a:bodyPr/>
+          <a:lstStyle/>
+          <a:p>
+            <a:pPr marL="0" marR="0" lvl="0" indent="0" algn="r" rtl="0">
+              <a:spcBef>
+                <a:spcPts val="0"/>
+              </a:spcBef>
+              <a:spcAft>
+                <a:spcPts val="0"/>
+              </a:spcAft>
+              <a:buNone/>
+            </a:pPr>
+            <a:fld id="{00000000-1234-1234-1234-123412341234}" type="slidenum">
+              <a:rPr lang="en-US" sz="1200" b="0" i="0" u="none" strike="noStrike" cap="none" smtClean="0">
+                <a:solidFill>
+                  <a:schemeClr val="dk1"/>
+                </a:solidFill>
+                <a:latin typeface="Calibri"/>
+                <a:ea typeface="Calibri"/>
+                <a:cs typeface="Calibri"/>
+                <a:sym typeface="Calibri"/>
+              </a:rPr>
+              <a:t>5</a:t>
+            </a:fld>
+            <a:endParaRPr lang="en-US" sz="1200" b="0" i="0" u="none" strike="noStrike" cap="none">
+              <a:solidFill>
+                <a:schemeClr val="dk1"/>
+              </a:solidFill>
+              <a:latin typeface="Calibri"/>
+              <a:ea typeface="Calibri"/>
+              <a:cs typeface="Calibri"/>
+              <a:sym typeface="Calibri"/>
+            </a:endParaRPr>
+          </a:p>
+        </p:txBody>
+      </p:sp>
+    </p:spTree>
+    <p:extLst>
+      <p:ext uri="{BB962C8B-B14F-4D97-AF65-F5344CB8AC3E}">
+        <p14:creationId xmlns:p14="http://schemas.microsoft.com/office/powerpoint/2010/main" val="1165808122"/>
+      </p:ext>
+    </p:extLst>
+  </p:cSld>
+  <p:clrMapOvr>
+    <a:masterClrMapping/>
+  </p:clrMapOvr>
+</p:notes>
+</file>
+
+<file path=ppt/notesSlides/notesSlide6.xml><?xml version="1.0" encoding="utf-8"?>
 <p:notes xmlns:a="http://schemas.openxmlformats.org/drawingml/2006/main" xmlns:r="http://schemas.openxmlformats.org/officeDocument/2006/relationships" xmlns:p="http://schemas.openxmlformats.org/presentationml/2006/main" showMasterSp="0" showMasterPhAnim="0">
   <p:cSld>
     <p:spTree>
@@ -1991,7 +2101,7 @@
 </p:notes>
 </file>
 
-<file path=ppt/notesSlides/notesSlide6.xml><?xml version="1.0" encoding="utf-8"?>
+<file path=ppt/notesSlides/notesSlide7.xml><?xml version="1.0" encoding="utf-8"?>
 <p:notes xmlns:a="http://schemas.openxmlformats.org/drawingml/2006/main" xmlns:r="http://schemas.openxmlformats.org/officeDocument/2006/relationships" xmlns:p="http://schemas.openxmlformats.org/presentationml/2006/main" showMasterSp="0" showMasterPhAnim="0">
   <p:cSld>
     <p:spTree>
@@ -2095,7 +2205,7 @@
 </p:notes>
 </file>
 
-<file path=ppt/notesSlides/notesSlide7.xml><?xml version="1.0" encoding="utf-8"?>
+<file path=ppt/notesSlides/notesSlide8.xml><?xml version="1.0" encoding="utf-8"?>
 <p:notes xmlns:a="http://schemas.openxmlformats.org/drawingml/2006/main" xmlns:r="http://schemas.openxmlformats.org/officeDocument/2006/relationships" xmlns:p="http://schemas.openxmlformats.org/presentationml/2006/main" showMasterSp="0" showMasterPhAnim="0">
   <p:cSld>
     <p:spTree>
@@ -8773,6 +8883,123 @@
 </p:sld>
 </file>
 
+<file path=ppt/slides/slide10.xml><?xml version="1.0" encoding="utf-8"?>
+<p:sld xmlns:a="http://schemas.openxmlformats.org/drawingml/2006/main" xmlns:r="http://schemas.openxmlformats.org/officeDocument/2006/relationships" xmlns:p="http://schemas.openxmlformats.org/presentationml/2006/main">
+  <p:cSld>
+    <p:spTree>
+      <p:nvGrpSpPr>
+        <p:cNvPr id="1" name="Shape 507"/>
+        <p:cNvGrpSpPr/>
+        <p:nvPr/>
+      </p:nvGrpSpPr>
+      <p:grpSpPr>
+        <a:xfrm>
+          <a:off x="0" y="0"/>
+          <a:ext cx="0" cy="0"/>
+          <a:chOff x="0" y="0"/>
+          <a:chExt cx="0" cy="0"/>
+        </a:xfrm>
+      </p:grpSpPr>
+      <p:sp>
+        <p:nvSpPr>
+          <p:cNvPr id="508" name="Google Shape;508;p73"/>
+          <p:cNvSpPr txBox="1">
+            <a:spLocks noGrp="1"/>
+          </p:cNvSpPr>
+          <p:nvPr>
+            <p:ph type="ctrTitle"/>
+          </p:nvPr>
+        </p:nvSpPr>
+        <p:spPr>
+          <a:xfrm>
+            <a:off x="1993692" y="2533338"/>
+            <a:ext cx="8109677" cy="3612629"/>
+          </a:xfrm>
+          <a:prstGeom prst="rect">
+            <a:avLst/>
+          </a:prstGeom>
+          <a:noFill/>
+          <a:ln>
+            <a:noFill/>
+          </a:ln>
+        </p:spPr>
+        <p:txBody>
+          <a:bodyPr spcFirstLastPara="1" wrap="square" lIns="91425" tIns="45700" rIns="91425" bIns="45700" anchor="t" anchorCtr="0">
+            <a:noAutofit/>
+          </a:bodyPr>
+          <a:lstStyle/>
+          <a:p>
+            <a:pPr marL="0" marR="0" lvl="0" indent="0" algn="ctr" rtl="0">
+              <a:lnSpc>
+                <a:spcPct val="90000"/>
+              </a:lnSpc>
+              <a:spcBef>
+                <a:spcPts val="0"/>
+              </a:spcBef>
+              <a:spcAft>
+                <a:spcPts val="0"/>
+              </a:spcAft>
+              <a:buClr>
+                <a:schemeClr val="lt1"/>
+              </a:buClr>
+              <a:buSzPts val="6700"/>
+              <a:buFont typeface="Arial Black"/>
+              <a:buNone/>
+            </a:pPr>
+            <a:r>
+              <a:rPr lang="en-US" sz="6700" b="0" i="0" u="none" strike="noStrike" cap="none" dirty="0">
+                <a:solidFill>
+                  <a:schemeClr val="lt1"/>
+                </a:solidFill>
+                <a:latin typeface="Arial Black"/>
+                <a:ea typeface="Arial Black"/>
+                <a:cs typeface="Arial Black"/>
+                <a:sym typeface="Arial Black"/>
+              </a:rPr>
+              <a:t>CHEERS!</a:t>
+            </a:r>
+            <a:br>
+              <a:rPr lang="en-US" sz="6700" b="0" i="0" u="none" strike="noStrike" cap="none" dirty="0">
+                <a:solidFill>
+                  <a:schemeClr val="lt1"/>
+                </a:solidFill>
+                <a:latin typeface="Arial Black"/>
+                <a:ea typeface="Arial Black"/>
+                <a:cs typeface="Arial Black"/>
+                <a:sym typeface="Arial Black"/>
+              </a:rPr>
+            </a:br>
+            <a:br>
+              <a:rPr lang="en-US" sz="4800" b="0" i="0" u="none" strike="noStrike" cap="none" dirty="0">
+                <a:solidFill>
+                  <a:schemeClr val="lt1"/>
+                </a:solidFill>
+                <a:latin typeface="Arial Black"/>
+                <a:ea typeface="Arial Black"/>
+                <a:cs typeface="Arial Black"/>
+                <a:sym typeface="Arial Black"/>
+              </a:rPr>
+            </a:br>
+            <a:endParaRPr sz="4800" b="0" i="0" u="none" strike="noStrike" cap="none" dirty="0">
+              <a:solidFill>
+                <a:schemeClr val="lt1"/>
+              </a:solidFill>
+              <a:latin typeface="Arial Black"/>
+              <a:ea typeface="Arial Black"/>
+              <a:cs typeface="Arial Black"/>
+              <a:sym typeface="Arial Black"/>
+            </a:endParaRPr>
+          </a:p>
+        </p:txBody>
+      </p:sp>
+    </p:spTree>
+  </p:cSld>
+  <p:clrMapOvr>
+    <a:masterClrMapping/>
+  </p:clrMapOvr>
+</p:sld>
+</file>
+
 <file path=ppt/slides/slide2.xml><?xml version="1.0" encoding="utf-8"?>
 <p:sld xmlns:a="http://schemas.openxmlformats.org/drawingml/2006/main" xmlns:r="http://schemas.openxmlformats.org/officeDocument/2006/relationships" xmlns:p="http://schemas.openxmlformats.org/presentationml/2006/main">
   <p:cSld>
@@ -9077,7 +9304,7 @@
       </p:sp>
       <p:pic>
         <p:nvPicPr>
-          <p:cNvPr id="4" name="Picture 3">
+          <p:cNvPr id="5" name="Picture 4">
             <a:extLst>
               <a:ext uri="{FF2B5EF4-FFF2-40B4-BE49-F238E27FC236}">
                 <a16:creationId xmlns:a16="http://schemas.microsoft.com/office/drawing/2014/main" id="{8EBB9D79-57ED-46D2-93ED-718D6E59963F}"/>
@@ -9097,7 +9324,7 @@
         </p:blipFill>
         <p:spPr>
           <a:xfrm>
-            <a:off x="5257800" y="1424238"/>
+            <a:off x="5410200" y="1752600"/>
             <a:ext cx="5867400" cy="4070065"/>
           </a:xfrm>
           <a:prstGeom prst="rect">
@@ -9580,7 +9807,7 @@
         <p:spPr>
           <a:xfrm>
             <a:off x="533400" y="1905000"/>
-            <a:ext cx="2209800" cy="1815882"/>
+            <a:ext cx="2209800" cy="1384995"/>
           </a:xfrm>
           <a:prstGeom prst="rect">
             <a:avLst/>
@@ -9599,7 +9826,7 @@
                   <a:schemeClr val="bg1"/>
                 </a:solidFill>
               </a:rPr>
-              <a:t>By filtering all the data around only styles that contain the word Ale.  We see that the American Pale Ale most popular with 16 different variations that we can select.</a:t>
+              <a:t>By filtering all the data around only styles that contain the word Ale.  We see that the 29 different styles of Ale on the market.</a:t>
             </a:r>
           </a:p>
         </p:txBody>
@@ -9658,7 +9885,7 @@
           <p:nvPr/>
         </p:nvPicPr>
         <p:blipFill>
-          <a:blip r:embed="rId2"/>
+          <a:blip r:embed="rId3"/>
           <a:stretch>
             <a:fillRect/>
           </a:stretch>
@@ -9901,7 +10128,7 @@
         </p:blipFill>
         <p:spPr bwMode="auto">
           <a:xfrm>
-            <a:off x="1486584" y="3722182"/>
+            <a:off x="3048000" y="4142844"/>
             <a:ext cx="2533650" cy="1905000"/>
           </a:xfrm>
           <a:prstGeom prst="rect">
@@ -9941,7 +10168,7 @@
         <p:spPr>
           <a:xfrm>
             <a:off x="228600" y="1600200"/>
-            <a:ext cx="5029200" cy="1384995"/>
+            <a:ext cx="5029200" cy="2246769"/>
           </a:xfrm>
           <a:prstGeom prst="rect">
             <a:avLst/>
@@ -9994,6 +10221,42 @@
               </a:rPr>
               <a:t>Our highest alcohol content sits at 12.8% and lowest at less .1%</a:t>
             </a:r>
+          </a:p>
+          <a:p>
+            <a:pPr marL="285750" indent="-285750">
+              <a:buFont typeface="Arial" panose="020B0604020202020204" pitchFamily="34" charset="0"/>
+              <a:buChar char="•"/>
+            </a:pPr>
+            <a:r>
+              <a:rPr lang="en-US" dirty="0">
+                <a:solidFill>
+                  <a:schemeClr val="bg1"/>
+                </a:solidFill>
+              </a:rPr>
+              <a:t>None of the top selling beers had an ABV of over 10%, so we will not be entering this niche market</a:t>
+            </a:r>
+          </a:p>
+          <a:p>
+            <a:pPr marL="285750" indent="-285750">
+              <a:buFont typeface="Arial" panose="020B0604020202020204" pitchFamily="34" charset="0"/>
+              <a:buChar char="•"/>
+            </a:pPr>
+            <a:endParaRPr lang="en-US" dirty="0">
+              <a:solidFill>
+                <a:schemeClr val="bg1"/>
+              </a:solidFill>
+            </a:endParaRPr>
+          </a:p>
+          <a:p>
+            <a:pPr marL="285750" indent="-285750">
+              <a:buFont typeface="Arial" panose="020B0604020202020204" pitchFamily="34" charset="0"/>
+              <a:buChar char="•"/>
+            </a:pPr>
+            <a:endParaRPr lang="en-US" dirty="0">
+              <a:solidFill>
+                <a:schemeClr val="bg1"/>
+              </a:solidFill>
+            </a:endParaRPr>
           </a:p>
           <a:p>
             <a:pPr marL="285750" indent="-285750">
@@ -10031,8 +10294,62 @@
         </p:blipFill>
         <p:spPr bwMode="auto">
           <a:xfrm>
-            <a:off x="5410200" y="1913990"/>
+            <a:off x="6019800" y="1823332"/>
             <a:ext cx="5867400" cy="3616385"/>
+          </a:xfrm>
+          <a:prstGeom prst="rect">
+            <a:avLst/>
+          </a:prstGeom>
+          <a:noFill/>
+          <a:ln>
+            <a:noFill/>
+          </a:ln>
+          <a:extLst>
+            <a:ext uri="{909E8E84-426E-40DD-AFC4-6F175D3DCCD1}">
+              <a14:hiddenFill xmlns:a14="http://schemas.microsoft.com/office/drawing/2010/main">
+                <a:solidFill>
+                  <a:schemeClr val="accent1"/>
+                </a:solidFill>
+              </a14:hiddenFill>
+            </a:ext>
+            <a:ext uri="{91240B29-F687-4F45-9708-019B960494DF}">
+              <a14:hiddenLine xmlns:a14="http://schemas.microsoft.com/office/drawing/2010/main" w="9525">
+                <a:solidFill>
+                  <a:schemeClr val="tx1"/>
+                </a:solidFill>
+                <a:miter lim="800000"/>
+                <a:headEnd/>
+                <a:tailEnd/>
+              </a14:hiddenLine>
+            </a:ext>
+          </a:extLst>
+        </p:spPr>
+      </p:pic>
+      <p:pic>
+        <p:nvPicPr>
+          <p:cNvPr id="2049" name="Picture 1"/>
+          <p:cNvPicPr>
+            <a:picLocks noChangeAspect="1" noChangeArrowheads="1"/>
+          </p:cNvPicPr>
+          <p:nvPr/>
+        </p:nvPicPr>
+        <p:blipFill>
+          <a:blip r:embed="rId5">
+            <a:extLst>
+              <a:ext uri="{28A0092B-C50C-407E-A947-70E740481C1C}">
+                <a14:useLocalDpi xmlns:a14="http://schemas.microsoft.com/office/drawing/2010/main" val="0"/>
+              </a:ext>
+            </a:extLst>
+          </a:blip>
+          <a:srcRect/>
+          <a:stretch>
+            <a:fillRect/>
+          </a:stretch>
+        </p:blipFill>
+        <p:spPr bwMode="auto">
+          <a:xfrm>
+            <a:off x="258715" y="4060855"/>
+            <a:ext cx="2389283" cy="1378862"/>
           </a:xfrm>
           <a:prstGeom prst="rect">
             <a:avLst/>
@@ -10071,6 +10388,289 @@
 </file>
 
 <file path=ppt/slides/slide8.xml><?xml version="1.0" encoding="utf-8"?>
+<p:sld xmlns:a="http://schemas.openxmlformats.org/drawingml/2006/main" xmlns:r="http://schemas.openxmlformats.org/officeDocument/2006/relationships" xmlns:p="http://schemas.openxmlformats.org/presentationml/2006/main">
+  <p:cSld>
+    <p:spTree>
+      <p:nvGrpSpPr>
+        <p:cNvPr id="1" name=""/>
+        <p:cNvGrpSpPr/>
+        <p:nvPr/>
+      </p:nvGrpSpPr>
+      <p:grpSpPr>
+        <a:xfrm>
+          <a:off x="0" y="0"/>
+          <a:ext cx="0" cy="0"/>
+          <a:chOff x="0" y="0"/>
+          <a:chExt cx="0" cy="0"/>
+        </a:xfrm>
+      </p:grpSpPr>
+      <p:sp>
+        <p:nvSpPr>
+          <p:cNvPr id="4" name="TextBox 3"/>
+          <p:cNvSpPr txBox="1"/>
+          <p:nvPr/>
+        </p:nvSpPr>
+        <p:spPr>
+          <a:xfrm>
+            <a:off x="1752600" y="762000"/>
+            <a:ext cx="8001000" cy="769441"/>
+          </a:xfrm>
+          <a:prstGeom prst="rect">
+            <a:avLst/>
+          </a:prstGeom>
+          <a:noFill/>
+        </p:spPr>
+        <p:txBody>
+          <a:bodyPr wrap="square" rtlCol="0">
+            <a:spAutoFit/>
+          </a:bodyPr>
+          <a:lstStyle/>
+          <a:p>
+            <a:pPr algn="ctr"/>
+            <a:r>
+              <a:rPr lang="en-US" sz="4400" dirty="0">
+                <a:solidFill>
+                  <a:schemeClr val="bg1"/>
+                </a:solidFill>
+              </a:rPr>
+              <a:t>Ales and IPAs</a:t>
+            </a:r>
+          </a:p>
+        </p:txBody>
+      </p:sp>
+      <p:sp>
+        <p:nvSpPr>
+          <p:cNvPr id="5" name="TextBox 4"/>
+          <p:cNvSpPr txBox="1"/>
+          <p:nvPr/>
+        </p:nvSpPr>
+        <p:spPr>
+          <a:xfrm>
+            <a:off x="1371600" y="1759901"/>
+            <a:ext cx="3276600" cy="2154436"/>
+          </a:xfrm>
+          <a:prstGeom prst="rect">
+            <a:avLst/>
+          </a:prstGeom>
+          <a:noFill/>
+        </p:spPr>
+        <p:txBody>
+          <a:bodyPr wrap="square" rtlCol="0">
+            <a:spAutoFit/>
+          </a:bodyPr>
+          <a:lstStyle/>
+          <a:p>
+            <a:pPr marL="285750" indent="-285750">
+              <a:buFont typeface="Arial" panose="020B0604020202020204" pitchFamily="34" charset="0"/>
+              <a:buChar char="•"/>
+            </a:pPr>
+            <a:r>
+              <a:rPr lang="en-US" sz="2000" dirty="0">
+                <a:solidFill>
+                  <a:schemeClr val="bg1"/>
+                </a:solidFill>
+              </a:rPr>
+              <a:t>Originally brewed without hops</a:t>
+            </a:r>
+          </a:p>
+          <a:p>
+            <a:pPr marL="285750" indent="-285750">
+              <a:buFont typeface="Arial" panose="020B0604020202020204" pitchFamily="34" charset="0"/>
+              <a:buChar char="•"/>
+            </a:pPr>
+            <a:r>
+              <a:rPr lang="en-US" sz="2000" dirty="0">
+                <a:solidFill>
+                  <a:schemeClr val="bg1"/>
+                </a:solidFill>
+              </a:rPr>
+              <a:t>Modern ales have a fruitier taste</a:t>
+            </a:r>
+          </a:p>
+          <a:p>
+            <a:pPr marL="285750" indent="-285750">
+              <a:buFont typeface="Arial" panose="020B0604020202020204" pitchFamily="34" charset="0"/>
+              <a:buChar char="•"/>
+            </a:pPr>
+            <a:r>
+              <a:rPr lang="en-US" sz="2000" dirty="0">
+                <a:solidFill>
+                  <a:schemeClr val="bg1"/>
+                </a:solidFill>
+              </a:rPr>
+              <a:t>Been around since medieval times</a:t>
+            </a:r>
+          </a:p>
+          <a:p>
+            <a:endParaRPr lang="en-US" dirty="0">
+              <a:solidFill>
+                <a:schemeClr val="bg1"/>
+              </a:solidFill>
+            </a:endParaRPr>
+          </a:p>
+        </p:txBody>
+      </p:sp>
+      <p:sp>
+        <p:nvSpPr>
+          <p:cNvPr id="6" name="TextBox 5"/>
+          <p:cNvSpPr txBox="1"/>
+          <p:nvPr/>
+        </p:nvSpPr>
+        <p:spPr>
+          <a:xfrm>
+            <a:off x="6858000" y="1752600"/>
+            <a:ext cx="3200400" cy="4801314"/>
+          </a:xfrm>
+          <a:prstGeom prst="rect">
+            <a:avLst/>
+          </a:prstGeom>
+          <a:noFill/>
+        </p:spPr>
+        <p:txBody>
+          <a:bodyPr wrap="square" rtlCol="0">
+            <a:spAutoFit/>
+          </a:bodyPr>
+          <a:lstStyle/>
+          <a:p>
+            <a:pPr marL="285750" indent="-285750">
+              <a:buFont typeface="Arial" panose="020B0604020202020204" pitchFamily="34" charset="0"/>
+              <a:buChar char="•"/>
+            </a:pPr>
+            <a:r>
+              <a:rPr lang="en-US" sz="1800" dirty="0">
+                <a:solidFill>
+                  <a:schemeClr val="bg1"/>
+                </a:solidFill>
+              </a:rPr>
+              <a:t>Also known as India Pale Ale</a:t>
+            </a:r>
+          </a:p>
+          <a:p>
+            <a:pPr marL="285750" indent="-285750">
+              <a:buFont typeface="Arial" panose="020B0604020202020204" pitchFamily="34" charset="0"/>
+              <a:buChar char="•"/>
+            </a:pPr>
+            <a:r>
+              <a:rPr lang="en-US" sz="1800" dirty="0">
+                <a:solidFill>
+                  <a:schemeClr val="bg1"/>
+                </a:solidFill>
+              </a:rPr>
+              <a:t>Originated when London was shipping beers to soldiers stationed in India</a:t>
+            </a:r>
+          </a:p>
+          <a:p>
+            <a:pPr marL="285750" indent="-285750">
+              <a:buFont typeface="Arial" panose="020B0604020202020204" pitchFamily="34" charset="0"/>
+              <a:buChar char="•"/>
+            </a:pPr>
+            <a:r>
+              <a:rPr lang="en-US" sz="1800" dirty="0">
+                <a:solidFill>
+                  <a:schemeClr val="bg1"/>
+                </a:solidFill>
+              </a:rPr>
+              <a:t>The manufacturers in London emphasized adding hops, this accounts for the bitterness in this brew</a:t>
+            </a:r>
+          </a:p>
+          <a:p>
+            <a:pPr marL="285750" indent="-285750">
+              <a:buFont typeface="Arial" panose="020B0604020202020204" pitchFamily="34" charset="0"/>
+              <a:buChar char="•"/>
+            </a:pPr>
+            <a:r>
+              <a:rPr lang="en-US" sz="1800" dirty="0">
+                <a:solidFill>
+                  <a:schemeClr val="bg1"/>
+                </a:solidFill>
+              </a:rPr>
+              <a:t>Traditionally brewed with English malt, hops and yeast</a:t>
+            </a:r>
+          </a:p>
+          <a:p>
+            <a:pPr marL="285750" indent="-285750">
+              <a:buFont typeface="Arial" panose="020B0604020202020204" pitchFamily="34" charset="0"/>
+              <a:buChar char="•"/>
+            </a:pPr>
+            <a:r>
+              <a:rPr lang="en-US" sz="1800" dirty="0">
+                <a:solidFill>
+                  <a:schemeClr val="bg1"/>
+                </a:solidFill>
+              </a:rPr>
+              <a:t>Beer taste ranges even amongst IPAS, however they are known for being more bitter</a:t>
+            </a:r>
+          </a:p>
+        </p:txBody>
+      </p:sp>
+      <p:pic>
+        <p:nvPicPr>
+          <p:cNvPr id="3074" name="Picture 2"/>
+          <p:cNvPicPr>
+            <a:picLocks noChangeAspect="1" noChangeArrowheads="1"/>
+          </p:cNvPicPr>
+          <p:nvPr/>
+        </p:nvPicPr>
+        <p:blipFill>
+          <a:blip r:embed="rId2">
+            <a:extLst>
+              <a:ext uri="{28A0092B-C50C-407E-A947-70E740481C1C}">
+                <a14:useLocalDpi xmlns:a14="http://schemas.microsoft.com/office/drawing/2010/main" val="0"/>
+              </a:ext>
+            </a:extLst>
+          </a:blip>
+          <a:srcRect/>
+          <a:stretch>
+            <a:fillRect/>
+          </a:stretch>
+        </p:blipFill>
+        <p:spPr bwMode="auto">
+          <a:xfrm>
+            <a:off x="1295400" y="4592836"/>
+            <a:ext cx="4296396" cy="2119402"/>
+          </a:xfrm>
+          <a:prstGeom prst="rect">
+            <a:avLst/>
+          </a:prstGeom>
+          <a:noFill/>
+          <a:ln>
+            <a:noFill/>
+          </a:ln>
+          <a:extLst>
+            <a:ext uri="{909E8E84-426E-40DD-AFC4-6F175D3DCCD1}">
+              <a14:hiddenFill xmlns:a14="http://schemas.microsoft.com/office/drawing/2010/main">
+                <a:solidFill>
+                  <a:schemeClr val="accent1"/>
+                </a:solidFill>
+              </a14:hiddenFill>
+            </a:ext>
+            <a:ext uri="{91240B29-F687-4F45-9708-019B960494DF}">
+              <a14:hiddenLine xmlns:a14="http://schemas.microsoft.com/office/drawing/2010/main" w="9525">
+                <a:solidFill>
+                  <a:schemeClr val="tx1"/>
+                </a:solidFill>
+                <a:miter lim="800000"/>
+                <a:headEnd/>
+                <a:tailEnd/>
+              </a14:hiddenLine>
+            </a:ext>
+          </a:extLst>
+        </p:spPr>
+      </p:pic>
+    </p:spTree>
+    <p:extLst>
+      <p:ext uri="{BB962C8B-B14F-4D97-AF65-F5344CB8AC3E}">
+        <p14:creationId xmlns:p14="http://schemas.microsoft.com/office/powerpoint/2010/main" val="2235023784"/>
+      </p:ext>
+    </p:extLst>
+  </p:cSld>
+  <p:clrMapOvr>
+    <a:masterClrMapping/>
+  </p:clrMapOvr>
+</p:sld>
+</file>
+
+<file path=ppt/slides/slide9.xml><?xml version="1.0" encoding="utf-8"?>
 <p:sld xmlns:a="http://schemas.openxmlformats.org/drawingml/2006/main" xmlns:r="http://schemas.openxmlformats.org/officeDocument/2006/relationships" xmlns:p="http://schemas.openxmlformats.org/presentationml/2006/main">
   <p:cSld>
     <p:spTree>
@@ -10099,7 +10699,7 @@
         </p:nvSpPr>
         <p:spPr>
           <a:xfrm>
-            <a:off x="2209800" y="381000"/>
+            <a:off x="1447800" y="228600"/>
             <a:ext cx="7147034" cy="1416100"/>
           </a:xfrm>
           <a:prstGeom prst="rect">
@@ -10165,8 +10765,8 @@
         </p:nvSpPr>
         <p:spPr>
           <a:xfrm>
-            <a:off x="6400800" y="2590800"/>
-            <a:ext cx="3352800" cy="3139321"/>
+            <a:off x="6324600" y="1524000"/>
+            <a:ext cx="3352800" cy="5355312"/>
           </a:xfrm>
           <a:prstGeom prst="rect">
             <a:avLst/>
@@ -10214,7 +10814,23 @@
                   <a:schemeClr val="bg1"/>
                 </a:solidFill>
               </a:rPr>
-              <a:t>A low p-value supports our correlation value of .67</a:t>
+              <a:t>A low p-value supports our correlation value of .67, at a </a:t>
+            </a:r>
+            <a:r>
+              <a:rPr lang="en-US" sz="1800" dirty="0" err="1">
+                <a:solidFill>
+                  <a:schemeClr val="bg1"/>
+                </a:solidFill>
+              </a:rPr>
+              <a:t>significiance</a:t>
+            </a:r>
+            <a:r>
+              <a:rPr lang="en-US" sz="1800" dirty="0">
+                <a:solidFill>
+                  <a:schemeClr val="bg1"/>
+                </a:solidFill>
+              </a:rPr>
+              <a:t> level of .05, meaning we have enough evidence to suggest that the data is linearly correlated. What does this mean? ABV explains 67% of the variation in bitterness levels of our beer.</a:t>
             </a:r>
           </a:p>
           <a:p>
@@ -10314,123 +10930,6 @@
           </a:extLst>
         </p:spPr>
       </p:pic>
-    </p:spTree>
-  </p:cSld>
-  <p:clrMapOvr>
-    <a:masterClrMapping/>
-  </p:clrMapOvr>
-</p:sld>
-</file>
-
-<file path=ppt/slides/slide9.xml><?xml version="1.0" encoding="utf-8"?>
-<p:sld xmlns:a="http://schemas.openxmlformats.org/drawingml/2006/main" xmlns:r="http://schemas.openxmlformats.org/officeDocument/2006/relationships" xmlns:p="http://schemas.openxmlformats.org/presentationml/2006/main">
-  <p:cSld>
-    <p:spTree>
-      <p:nvGrpSpPr>
-        <p:cNvPr id="1" name="Shape 507"/>
-        <p:cNvGrpSpPr/>
-        <p:nvPr/>
-      </p:nvGrpSpPr>
-      <p:grpSpPr>
-        <a:xfrm>
-          <a:off x="0" y="0"/>
-          <a:ext cx="0" cy="0"/>
-          <a:chOff x="0" y="0"/>
-          <a:chExt cx="0" cy="0"/>
-        </a:xfrm>
-      </p:grpSpPr>
-      <p:sp>
-        <p:nvSpPr>
-          <p:cNvPr id="508" name="Google Shape;508;p73"/>
-          <p:cNvSpPr txBox="1">
-            <a:spLocks noGrp="1"/>
-          </p:cNvSpPr>
-          <p:nvPr>
-            <p:ph type="ctrTitle"/>
-          </p:nvPr>
-        </p:nvSpPr>
-        <p:spPr>
-          <a:xfrm>
-            <a:off x="1993692" y="2533338"/>
-            <a:ext cx="8109677" cy="3612629"/>
-          </a:xfrm>
-          <a:prstGeom prst="rect">
-            <a:avLst/>
-          </a:prstGeom>
-          <a:noFill/>
-          <a:ln>
-            <a:noFill/>
-          </a:ln>
-        </p:spPr>
-        <p:txBody>
-          <a:bodyPr spcFirstLastPara="1" wrap="square" lIns="91425" tIns="45700" rIns="91425" bIns="45700" anchor="t" anchorCtr="0">
-            <a:noAutofit/>
-          </a:bodyPr>
-          <a:lstStyle/>
-          <a:p>
-            <a:pPr marL="0" marR="0" lvl="0" indent="0" algn="ctr" rtl="0">
-              <a:lnSpc>
-                <a:spcPct val="90000"/>
-              </a:lnSpc>
-              <a:spcBef>
-                <a:spcPts val="0"/>
-              </a:spcBef>
-              <a:spcAft>
-                <a:spcPts val="0"/>
-              </a:spcAft>
-              <a:buClr>
-                <a:schemeClr val="lt1"/>
-              </a:buClr>
-              <a:buSzPts val="6700"/>
-              <a:buFont typeface="Arial Black"/>
-              <a:buNone/>
-            </a:pPr>
-            <a:r>
-              <a:rPr lang="en-US" sz="6700" b="0" i="0" u="none" strike="noStrike" cap="none" dirty="0">
-                <a:solidFill>
-                  <a:schemeClr val="lt1"/>
-                </a:solidFill>
-                <a:latin typeface="Arial Black"/>
-                <a:ea typeface="Arial Black"/>
-                <a:cs typeface="Arial Black"/>
-                <a:sym typeface="Arial Black"/>
-              </a:rPr>
-              <a:t>CHEERS!</a:t>
-            </a:r>
-            <a:br>
-              <a:rPr lang="en-US" sz="6700" b="0" i="0" u="none" strike="noStrike" cap="none" dirty="0">
-                <a:solidFill>
-                  <a:schemeClr val="lt1"/>
-                </a:solidFill>
-                <a:latin typeface="Arial Black"/>
-                <a:ea typeface="Arial Black"/>
-                <a:cs typeface="Arial Black"/>
-                <a:sym typeface="Arial Black"/>
-              </a:rPr>
-            </a:br>
-            <a:br>
-              <a:rPr lang="en-US" sz="4800" b="0" i="0" u="none" strike="noStrike" cap="none" dirty="0">
-                <a:solidFill>
-                  <a:schemeClr val="lt1"/>
-                </a:solidFill>
-                <a:latin typeface="Arial Black"/>
-                <a:ea typeface="Arial Black"/>
-                <a:cs typeface="Arial Black"/>
-                <a:sym typeface="Arial Black"/>
-              </a:rPr>
-            </a:br>
-            <a:endParaRPr sz="4800" b="0" i="0" u="none" strike="noStrike" cap="none" dirty="0">
-              <a:solidFill>
-                <a:schemeClr val="lt1"/>
-              </a:solidFill>
-              <a:latin typeface="Arial Black"/>
-              <a:ea typeface="Arial Black"/>
-              <a:cs typeface="Arial Black"/>
-              <a:sym typeface="Arial Black"/>
-            </a:endParaRPr>
-          </a:p>
-        </p:txBody>
-      </p:sp>
     </p:spTree>
   </p:cSld>
   <p:clrMapOvr>

--- a/presentation/Team_TAM_CaseStudy02.pptx
+++ b/presentation/Team_TAM_CaseStudy02.pptx
@@ -23,15 +23,15 @@
   <p:notesSz cx="6858000" cy="9144000"/>
   <p:embeddedFontLst>
     <p:embeddedFont>
-      <p:font typeface="Arial Black" panose="020B0A04020102020204" pitchFamily="34" charset="0"/>
-      <p:bold r:id="rId13"/>
+      <p:font typeface="Calibri" panose="020F0502020204030204" pitchFamily="34" charset="0"/>
+      <p:regular r:id="rId13"/>
+      <p:bold r:id="rId14"/>
+      <p:italic r:id="rId15"/>
+      <p:boldItalic r:id="rId16"/>
     </p:embeddedFont>
     <p:embeddedFont>
-      <p:font typeface="Calibri" panose="020F0502020204030204" pitchFamily="34" charset="0"/>
-      <p:regular r:id="rId14"/>
-      <p:bold r:id="rId15"/>
-      <p:italic r:id="rId16"/>
-      <p:boldItalic r:id="rId17"/>
+      <p:font typeface="Arial Black" panose="020B0A04020102020204" pitchFamily="34" charset="0"/>
+      <p:bold r:id="rId17"/>
     </p:embeddedFont>
   </p:embeddedFontLst>
   <p:defaultTextStyle>
@@ -265,7 +265,7 @@
   </p:defaultTextStyle>
   <p:extLst>
     <p:ext uri="{EFAFB233-063F-42B5-8137-9DF3F51BA10A}">
-      <p15:sldGuideLst xmlns="" xmlns:p15="http://schemas.microsoft.com/office/powerpoint/2012/main">
+      <p15:sldGuideLst xmlns:p15="http://schemas.microsoft.com/office/powerpoint/2012/main">
         <p15:guide id="1" orient="horz" pos="2160">
           <p15:clr>
             <a:srgbClr val="A4A3A4"/>
@@ -1889,6 +1889,115 @@
 </file>
 
 <file path=ppt/notesSlides/notesSlide5.xml><?xml version="1.0" encoding="utf-8"?>
+<p:notes xmlns:a="http://schemas.openxmlformats.org/drawingml/2006/main" xmlns:r="http://schemas.openxmlformats.org/officeDocument/2006/relationships" xmlns:p="http://schemas.openxmlformats.org/presentationml/2006/main">
+  <p:cSld>
+    <p:spTree>
+      <p:nvGrpSpPr>
+        <p:cNvPr id="1" name=""/>
+        <p:cNvGrpSpPr/>
+        <p:nvPr/>
+      </p:nvGrpSpPr>
+      <p:grpSpPr>
+        <a:xfrm>
+          <a:off x="0" y="0"/>
+          <a:ext cx="0" cy="0"/>
+          <a:chOff x="0" y="0"/>
+          <a:chExt cx="0" cy="0"/>
+        </a:xfrm>
+      </p:grpSpPr>
+      <p:sp>
+        <p:nvSpPr>
+          <p:cNvPr id="2" name="Slide Image Placeholder 1"/>
+          <p:cNvSpPr>
+            <a:spLocks noGrp="1" noRot="1" noChangeAspect="1"/>
+          </p:cNvSpPr>
+          <p:nvPr>
+            <p:ph type="sldImg"/>
+          </p:nvPr>
+        </p:nvSpPr>
+        <p:spPr/>
+      </p:sp>
+      <p:sp>
+        <p:nvSpPr>
+          <p:cNvPr id="3" name="Notes Placeholder 2"/>
+          <p:cNvSpPr>
+            <a:spLocks noGrp="1"/>
+          </p:cNvSpPr>
+          <p:nvPr>
+            <p:ph type="body" idx="1"/>
+          </p:nvPr>
+        </p:nvSpPr>
+        <p:spPr/>
+        <p:txBody>
+          <a:bodyPr/>
+          <a:lstStyle/>
+          <a:p>
+            <a:endParaRPr lang="en-US" dirty="0"/>
+          </a:p>
+        </p:txBody>
+      </p:sp>
+      <p:sp>
+        <p:nvSpPr>
+          <p:cNvPr id="4" name="Slide Number Placeholder 3"/>
+          <p:cNvSpPr>
+            <a:spLocks noGrp="1"/>
+          </p:cNvSpPr>
+          <p:nvPr>
+            <p:ph type="sldNum" idx="10"/>
+          </p:nvPr>
+        </p:nvSpPr>
+        <p:spPr/>
+        <p:txBody>
+          <a:bodyPr/>
+          <a:lstStyle/>
+          <a:p>
+            <a:pPr marL="0" marR="0" lvl="0" indent="0" algn="r" rtl="0">
+              <a:spcBef>
+                <a:spcPts val="0"/>
+              </a:spcBef>
+              <a:spcAft>
+                <a:spcPts val="0"/>
+              </a:spcAft>
+              <a:buNone/>
+            </a:pPr>
+            <a:fld id="{00000000-1234-1234-1234-123412341234}" type="slidenum">
+              <a:rPr lang="en-US" sz="1200" b="0" i="0" u="none" strike="noStrike" cap="none" smtClean="0">
+                <a:solidFill>
+                  <a:schemeClr val="dk1"/>
+                </a:solidFill>
+                <a:latin typeface="Calibri"/>
+                <a:ea typeface="Calibri"/>
+                <a:cs typeface="Calibri"/>
+                <a:sym typeface="Calibri"/>
+              </a:rPr>
+              <a:t>5</a:t>
+            </a:fld>
+            <a:endParaRPr lang="en-US" sz="1200" b="0" i="0" u="none" strike="noStrike" cap="none">
+              <a:solidFill>
+                <a:schemeClr val="dk1"/>
+              </a:solidFill>
+              <a:latin typeface="Calibri"/>
+              <a:ea typeface="Calibri"/>
+              <a:cs typeface="Calibri"/>
+              <a:sym typeface="Calibri"/>
+            </a:endParaRPr>
+          </a:p>
+        </p:txBody>
+      </p:sp>
+    </p:spTree>
+    <p:extLst>
+      <p:ext uri="{BB962C8B-B14F-4D97-AF65-F5344CB8AC3E}">
+        <p14:creationId xmlns:p14="http://schemas.microsoft.com/office/powerpoint/2010/main" val="1165808122"/>
+      </p:ext>
+    </p:extLst>
+  </p:cSld>
+  <p:clrMapOvr>
+    <a:masterClrMapping/>
+  </p:clrMapOvr>
+</p:notes>
+</file>
+
+<file path=ppt/notesSlides/notesSlide6.xml><?xml version="1.0" encoding="utf-8"?>
 <p:notes xmlns:a="http://schemas.openxmlformats.org/drawingml/2006/main" xmlns:r="http://schemas.openxmlformats.org/officeDocument/2006/relationships" xmlns:p="http://schemas.openxmlformats.org/presentationml/2006/main" showMasterSp="0" showMasterPhAnim="0">
   <p:cSld>
     <p:spTree>
@@ -1992,7 +2101,7 @@
 </p:notes>
 </file>
 
-<file path=ppt/notesSlides/notesSlide6.xml><?xml version="1.0" encoding="utf-8"?>
+<file path=ppt/notesSlides/notesSlide7.xml><?xml version="1.0" encoding="utf-8"?>
 <p:notes xmlns:a="http://schemas.openxmlformats.org/drawingml/2006/main" xmlns:r="http://schemas.openxmlformats.org/officeDocument/2006/relationships" xmlns:p="http://schemas.openxmlformats.org/presentationml/2006/main" showMasterSp="0" showMasterPhAnim="0">
   <p:cSld>
     <p:spTree>
@@ -2096,7 +2205,7 @@
 </p:notes>
 </file>
 
-<file path=ppt/notesSlides/notesSlide7.xml><?xml version="1.0" encoding="utf-8"?>
+<file path=ppt/notesSlides/notesSlide8.xml><?xml version="1.0" encoding="utf-8"?>
 <p:notes xmlns:a="http://schemas.openxmlformats.org/drawingml/2006/main" xmlns:r="http://schemas.openxmlformats.org/officeDocument/2006/relationships" xmlns:p="http://schemas.openxmlformats.org/presentationml/2006/main" showMasterSp="0" showMasterPhAnim="0">
   <p:cSld>
     <p:spTree>
@@ -8860,18 +8969,6 @@
                 <a:sym typeface="Arial Black"/>
               </a:rPr>
             </a:br>
-            <a:r>
-              <a:rPr lang="en-US" sz="4800" b="0" i="0" u="none" strike="noStrike" cap="none" dirty="0">
-                <a:solidFill>
-                  <a:schemeClr val="lt1"/>
-                </a:solidFill>
-                <a:latin typeface="Arial Black"/>
-                <a:ea typeface="Arial Black"/>
-                <a:cs typeface="Arial Black"/>
-                <a:sym typeface="Arial Black"/>
-              </a:rPr>
-              <a:t/>
-            </a:r>
             <a:br>
               <a:rPr lang="en-US" sz="4800" b="0" i="0" u="none" strike="noStrike" cap="none" dirty="0">
                 <a:solidFill>
@@ -9210,7 +9307,7 @@
           <p:cNvPr id="5" name="Picture 4">
             <a:extLst>
               <a:ext uri="{FF2B5EF4-FFF2-40B4-BE49-F238E27FC236}">
-                <a16:creationId xmlns="" xmlns:a16="http://schemas.microsoft.com/office/drawing/2014/main" id="{8EBB9D79-57ED-46D2-93ED-718D6E59963F}"/>
+                <a16:creationId xmlns:a16="http://schemas.microsoft.com/office/drawing/2014/main" id="{8EBB9D79-57ED-46D2-93ED-718D6E59963F}"/>
               </a:ext>
             </a:extLst>
           </p:cNvPr>
@@ -9634,7 +9731,7 @@
           <p:cNvPr id="2" name="Title 1">
             <a:extLst>
               <a:ext uri="{FF2B5EF4-FFF2-40B4-BE49-F238E27FC236}">
-                <a16:creationId xmlns="" xmlns:a16="http://schemas.microsoft.com/office/drawing/2014/main" id="{B4C5CE60-BA34-4EB1-AFE4-F8541F57C647}"/>
+                <a16:creationId xmlns:a16="http://schemas.microsoft.com/office/drawing/2014/main" id="{B4C5CE60-BA34-4EB1-AFE4-F8541F57C647}"/>
               </a:ext>
             </a:extLst>
           </p:cNvPr>
@@ -9667,7 +9764,7 @@
           <p:cNvPr id="3" name="Subtitle 2">
             <a:extLst>
               <a:ext uri="{FF2B5EF4-FFF2-40B4-BE49-F238E27FC236}">
-                <a16:creationId xmlns="" xmlns:a16="http://schemas.microsoft.com/office/drawing/2014/main" id="{ECF40949-3419-4D86-9EA0-056B24162E36}"/>
+                <a16:creationId xmlns:a16="http://schemas.microsoft.com/office/drawing/2014/main" id="{ECF40949-3419-4D86-9EA0-056B24162E36}"/>
               </a:ext>
             </a:extLst>
           </p:cNvPr>
@@ -9700,7 +9797,7 @@
           <p:cNvPr id="4" name="TextBox 3">
             <a:extLst>
               <a:ext uri="{FF2B5EF4-FFF2-40B4-BE49-F238E27FC236}">
-                <a16:creationId xmlns="" xmlns:a16="http://schemas.microsoft.com/office/drawing/2014/main" id="{2458D550-CAA8-49F2-B583-126747A01CD3}"/>
+                <a16:creationId xmlns:a16="http://schemas.microsoft.com/office/drawing/2014/main" id="{2458D550-CAA8-49F2-B583-126747A01CD3}"/>
               </a:ext>
             </a:extLst>
           </p:cNvPr>
@@ -9710,7 +9807,7 @@
         <p:spPr>
           <a:xfrm>
             <a:off x="533400" y="1905000"/>
-            <a:ext cx="2209800" cy="1815882"/>
+            <a:ext cx="2209800" cy="1384995"/>
           </a:xfrm>
           <a:prstGeom prst="rect">
             <a:avLst/>
@@ -9729,7 +9826,7 @@
                   <a:schemeClr val="bg1"/>
                 </a:solidFill>
               </a:rPr>
-              <a:t>By filtering all the data around only styles that contain the word Ale.  We see that the American Pale Ale most popular with 16 different variations that we can select.</a:t>
+              <a:t>By filtering all the data around only styles that contain the word Ale.  We see that the 29 different styles of Ale on the market.</a:t>
             </a:r>
           </a:p>
         </p:txBody>
@@ -9739,7 +9836,7 @@
           <p:cNvPr id="6" name="TextBox 5">
             <a:extLst>
               <a:ext uri="{FF2B5EF4-FFF2-40B4-BE49-F238E27FC236}">
-                <a16:creationId xmlns="" xmlns:a16="http://schemas.microsoft.com/office/drawing/2014/main" id="{23FF784C-A5C9-4B5D-85C0-6320E31EA018}"/>
+                <a16:creationId xmlns:a16="http://schemas.microsoft.com/office/drawing/2014/main" id="{23FF784C-A5C9-4B5D-85C0-6320E31EA018}"/>
               </a:ext>
             </a:extLst>
           </p:cNvPr>
@@ -9778,7 +9875,7 @@
           <p:cNvPr id="7" name="Picture 6">
             <a:extLst>
               <a:ext uri="{FF2B5EF4-FFF2-40B4-BE49-F238E27FC236}">
-                <a16:creationId xmlns="" xmlns:a16="http://schemas.microsoft.com/office/drawing/2014/main" id="{CCB9BC53-C439-46A3-9851-5E0C7FDD26C4}"/>
+                <a16:creationId xmlns:a16="http://schemas.microsoft.com/office/drawing/2014/main" id="{CCB9BC53-C439-46A3-9851-5E0C7FDD26C4}"/>
               </a:ext>
             </a:extLst>
           </p:cNvPr>
@@ -9788,7 +9885,7 @@
           <p:nvPr/>
         </p:nvPicPr>
         <p:blipFill>
-          <a:blip r:embed="rId2"/>
+          <a:blip r:embed="rId3"/>
           <a:stretch>
             <a:fillRect/>
           </a:stretch>
@@ -10122,15 +10219,7 @@
                   <a:schemeClr val="bg1"/>
                 </a:solidFill>
               </a:rPr>
-              <a:t>Our highest alcohol content sits at 12.8% and lowest at less .1</a:t>
-            </a:r>
-            <a:r>
-              <a:rPr lang="en-US" dirty="0" smtClean="0">
-                <a:solidFill>
-                  <a:schemeClr val="bg1"/>
-                </a:solidFill>
-              </a:rPr>
-              <a:t>%</a:t>
+              <a:t>Our highest alcohol content sits at 12.8% and lowest at less .1%</a:t>
             </a:r>
           </a:p>
           <a:p>
@@ -10139,7 +10228,7 @@
               <a:buChar char="•"/>
             </a:pPr>
             <a:r>
-              <a:rPr lang="en-US" dirty="0" smtClean="0">
+              <a:rPr lang="en-US" dirty="0">
                 <a:solidFill>
                   <a:schemeClr val="bg1"/>
                 </a:solidFill>
@@ -10152,7 +10241,7 @@
               <a:buFont typeface="Arial" panose="020B0604020202020204" pitchFamily="34" charset="0"/>
               <a:buChar char="•"/>
             </a:pPr>
-            <a:endParaRPr lang="en-US" dirty="0" smtClean="0">
+            <a:endParaRPr lang="en-US" dirty="0">
               <a:solidFill>
                 <a:schemeClr val="bg1"/>
               </a:solidFill>
@@ -10339,18 +10428,13 @@
           <a:p>
             <a:pPr algn="ctr"/>
             <a:r>
-              <a:rPr lang="en-US" sz="4400" dirty="0" smtClean="0">
+              <a:rPr lang="en-US" sz="4400" dirty="0">
                 <a:solidFill>
                   <a:schemeClr val="bg1"/>
                 </a:solidFill>
               </a:rPr>
               <a:t>Ales and IPAs</a:t>
             </a:r>
-            <a:endParaRPr lang="en-US" sz="4400" dirty="0">
-              <a:solidFill>
-                <a:schemeClr val="bg1"/>
-              </a:solidFill>
-            </a:endParaRPr>
           </a:p>
         </p:txBody>
       </p:sp>
@@ -10381,7 +10465,7 @@
               <a:buChar char="•"/>
             </a:pPr>
             <a:r>
-              <a:rPr lang="en-US" sz="2000" dirty="0" smtClean="0">
+              <a:rPr lang="en-US" sz="2000" dirty="0">
                 <a:solidFill>
                   <a:schemeClr val="bg1"/>
                 </a:solidFill>
@@ -10395,7 +10479,7 @@
               <a:buChar char="•"/>
             </a:pPr>
             <a:r>
-              <a:rPr lang="en-US" sz="2000" dirty="0" smtClean="0">
+              <a:rPr lang="en-US" sz="2000" dirty="0">
                 <a:solidFill>
                   <a:schemeClr val="bg1"/>
                 </a:solidFill>
@@ -10409,7 +10493,7 @@
               <a:buChar char="•"/>
             </a:pPr>
             <a:r>
-              <a:rPr lang="en-US" sz="2000" dirty="0" smtClean="0">
+              <a:rPr lang="en-US" sz="2000" dirty="0">
                 <a:solidFill>
                   <a:schemeClr val="bg1"/>
                 </a:solidFill>
@@ -10453,7 +10537,7 @@
               <a:buChar char="•"/>
             </a:pPr>
             <a:r>
-              <a:rPr lang="en-US" sz="1800" dirty="0" smtClean="0">
+              <a:rPr lang="en-US" sz="1800" dirty="0">
                 <a:solidFill>
                   <a:schemeClr val="bg1"/>
                 </a:solidFill>
@@ -10467,7 +10551,7 @@
               <a:buChar char="•"/>
             </a:pPr>
             <a:r>
-              <a:rPr lang="en-US" sz="1800" dirty="0" smtClean="0">
+              <a:rPr lang="en-US" sz="1800" dirty="0">
                 <a:solidFill>
                   <a:schemeClr val="bg1"/>
                 </a:solidFill>
@@ -10481,7 +10565,7 @@
               <a:buChar char="•"/>
             </a:pPr>
             <a:r>
-              <a:rPr lang="en-US" sz="1800" dirty="0" smtClean="0">
+              <a:rPr lang="en-US" sz="1800" dirty="0">
                 <a:solidFill>
                   <a:schemeClr val="bg1"/>
                 </a:solidFill>
@@ -10495,7 +10579,7 @@
               <a:buChar char="•"/>
             </a:pPr>
             <a:r>
-              <a:rPr lang="en-US" sz="1800" dirty="0" smtClean="0">
+              <a:rPr lang="en-US" sz="1800" dirty="0">
                 <a:solidFill>
                   <a:schemeClr val="bg1"/>
                 </a:solidFill>
@@ -10509,18 +10593,13 @@
               <a:buChar char="•"/>
             </a:pPr>
             <a:r>
-              <a:rPr lang="en-US" sz="1800" dirty="0" smtClean="0">
+              <a:rPr lang="en-US" sz="1800" dirty="0">
                 <a:solidFill>
                   <a:schemeClr val="bg1"/>
                 </a:solidFill>
               </a:rPr>
               <a:t>Beer taste ranges even amongst IPAS, however they are known for being more bitter</a:t>
             </a:r>
-            <a:endParaRPr lang="en-US" sz="1800" dirty="0">
-              <a:solidFill>
-                <a:schemeClr val="bg1"/>
-              </a:solidFill>
-            </a:endParaRPr>
           </a:p>
         </p:txBody>
       </p:sp>
@@ -10735,18 +10814,10 @@
                   <a:schemeClr val="bg1"/>
                 </a:solidFill>
               </a:rPr>
-              <a:t>A low p-value supports our correlation value of .</a:t>
+              <a:t>A low p-value supports our correlation value of .67, at a </a:t>
             </a:r>
             <a:r>
-              <a:rPr lang="en-US" sz="1800" dirty="0" smtClean="0">
-                <a:solidFill>
-                  <a:schemeClr val="bg1"/>
-                </a:solidFill>
-              </a:rPr>
-              <a:t>67, at a </a:t>
-            </a:r>
-            <a:r>
-              <a:rPr lang="en-US" sz="1800" dirty="0" err="1" smtClean="0">
+              <a:rPr lang="en-US" sz="1800" dirty="0" err="1">
                 <a:solidFill>
                   <a:schemeClr val="bg1"/>
                 </a:solidFill>
@@ -10754,18 +10825,13 @@
               <a:t>significiance</a:t>
             </a:r>
             <a:r>
-              <a:rPr lang="en-US" sz="1800" dirty="0" smtClean="0">
+              <a:rPr lang="en-US" sz="1800" dirty="0">
                 <a:solidFill>
                   <a:schemeClr val="bg1"/>
                 </a:solidFill>
               </a:rPr>
               <a:t> level of .05, meaning we have enough evidence to suggest that the data is linearly correlated. What does this mean? ABV explains 67% of the variation in bitterness levels of our beer.</a:t>
             </a:r>
-            <a:endParaRPr lang="en-US" sz="1800" dirty="0">
-              <a:solidFill>
-                <a:schemeClr val="bg1"/>
-              </a:solidFill>
-            </a:endParaRPr>
           </a:p>
           <a:p>
             <a:pPr marL="285750" indent="-285750">
